--- a/docs/Slides.pptx
+++ b/docs/Slides.pptx
@@ -5,8 +5,10 @@
     <p:sldMasterId id="2147483648" r:id="rId1"/>
   </p:sldMasterIdLst>
   <p:sldIdLst>
-    <p:sldId id="256" r:id="rId2"/>
-    <p:sldId id="8584" r:id="rId3"/>
+    <p:sldId id="8587" r:id="rId2"/>
+    <p:sldId id="8586" r:id="rId3"/>
+    <p:sldId id="8585" r:id="rId4"/>
+    <p:sldId id="256" r:id="rId5"/>
   </p:sldIdLst>
   <p:sldSz cx="12192000" cy="6858000"/>
   <p:notesSz cx="6858000" cy="9144000"/>
@@ -105,6 +107,11 @@
       </a:defRPr>
     </a:lvl9pPr>
   </p:defaultTextStyle>
+  <p:extLst>
+    <p:ext uri="{EFAFB233-063F-42B5-8137-9DF3F51BA10A}">
+      <p15:sldGuideLst xmlns:p15="http://schemas.microsoft.com/office/powerpoint/2012/main"/>
+    </p:ext>
+  </p:extLst>
 </p:presentation>
 </file>
 
@@ -255,7 +262,7 @@
           <a:p>
             <a:fld id="{553AFC23-5B53-4B48-8490-E8D8B77567EA}" type="datetimeFigureOut">
               <a:rPr lang="en-US" smtClean="0"/>
-              <a:t>12/6/2021</a:t>
+              <a:t>12/8/2021</a:t>
             </a:fld>
             <a:endParaRPr lang="en-US"/>
           </a:p>
@@ -453,7 +460,7 @@
           <a:p>
             <a:fld id="{553AFC23-5B53-4B48-8490-E8D8B77567EA}" type="datetimeFigureOut">
               <a:rPr lang="en-US" smtClean="0"/>
-              <a:t>12/6/2021</a:t>
+              <a:t>12/8/2021</a:t>
             </a:fld>
             <a:endParaRPr lang="en-US"/>
           </a:p>
@@ -661,7 +668,7 @@
           <a:p>
             <a:fld id="{553AFC23-5B53-4B48-8490-E8D8B77567EA}" type="datetimeFigureOut">
               <a:rPr lang="en-US" smtClean="0"/>
-              <a:t>12/6/2021</a:t>
+              <a:t>12/8/2021</a:t>
             </a:fld>
             <a:endParaRPr lang="en-US"/>
           </a:p>
@@ -859,7 +866,7 @@
           <a:p>
             <a:fld id="{553AFC23-5B53-4B48-8490-E8D8B77567EA}" type="datetimeFigureOut">
               <a:rPr lang="en-US" smtClean="0"/>
-              <a:t>12/6/2021</a:t>
+              <a:t>12/8/2021</a:t>
             </a:fld>
             <a:endParaRPr lang="en-US"/>
           </a:p>
@@ -1134,7 +1141,7 @@
           <a:p>
             <a:fld id="{553AFC23-5B53-4B48-8490-E8D8B77567EA}" type="datetimeFigureOut">
               <a:rPr lang="en-US" smtClean="0"/>
-              <a:t>12/6/2021</a:t>
+              <a:t>12/8/2021</a:t>
             </a:fld>
             <a:endParaRPr lang="en-US"/>
           </a:p>
@@ -1399,7 +1406,7 @@
           <a:p>
             <a:fld id="{553AFC23-5B53-4B48-8490-E8D8B77567EA}" type="datetimeFigureOut">
               <a:rPr lang="en-US" smtClean="0"/>
-              <a:t>12/6/2021</a:t>
+              <a:t>12/8/2021</a:t>
             </a:fld>
             <a:endParaRPr lang="en-US"/>
           </a:p>
@@ -1811,7 +1818,7 @@
           <a:p>
             <a:fld id="{553AFC23-5B53-4B48-8490-E8D8B77567EA}" type="datetimeFigureOut">
               <a:rPr lang="en-US" smtClean="0"/>
-              <a:t>12/6/2021</a:t>
+              <a:t>12/8/2021</a:t>
             </a:fld>
             <a:endParaRPr lang="en-US"/>
           </a:p>
@@ -1952,7 +1959,7 @@
           <a:p>
             <a:fld id="{553AFC23-5B53-4B48-8490-E8D8B77567EA}" type="datetimeFigureOut">
               <a:rPr lang="en-US" smtClean="0"/>
-              <a:t>12/6/2021</a:t>
+              <a:t>12/8/2021</a:t>
             </a:fld>
             <a:endParaRPr lang="en-US"/>
           </a:p>
@@ -2065,7 +2072,7 @@
           <a:p>
             <a:fld id="{553AFC23-5B53-4B48-8490-E8D8B77567EA}" type="datetimeFigureOut">
               <a:rPr lang="en-US" smtClean="0"/>
-              <a:t>12/6/2021</a:t>
+              <a:t>12/8/2021</a:t>
             </a:fld>
             <a:endParaRPr lang="en-US"/>
           </a:p>
@@ -2376,7 +2383,7 @@
           <a:p>
             <a:fld id="{553AFC23-5B53-4B48-8490-E8D8B77567EA}" type="datetimeFigureOut">
               <a:rPr lang="en-US" smtClean="0"/>
-              <a:t>12/6/2021</a:t>
+              <a:t>12/8/2021</a:t>
             </a:fld>
             <a:endParaRPr lang="en-US"/>
           </a:p>
@@ -2664,7 +2671,7 @@
           <a:p>
             <a:fld id="{553AFC23-5B53-4B48-8490-E8D8B77567EA}" type="datetimeFigureOut">
               <a:rPr lang="en-US" smtClean="0"/>
-              <a:t>12/6/2021</a:t>
+              <a:t>12/8/2021</a:t>
             </a:fld>
             <a:endParaRPr lang="en-US"/>
           </a:p>
@@ -2905,7 +2912,7 @@
           <a:p>
             <a:fld id="{553AFC23-5B53-4B48-8490-E8D8B77567EA}" type="datetimeFigureOut">
               <a:rPr lang="en-US" smtClean="0"/>
-              <a:t>12/6/2021</a:t>
+              <a:t>12/8/2021</a:t>
             </a:fld>
             <a:endParaRPr lang="en-US"/>
           </a:p>
@@ -3324,1169 +3331,74 @@
       </p:grpSpPr>
       <p:sp>
         <p:nvSpPr>
-          <p:cNvPr id="5" name="Rectangle 4">
-            <a:extLst>
-              <a:ext uri="{FF2B5EF4-FFF2-40B4-BE49-F238E27FC236}">
-                <a16:creationId xmlns:a16="http://schemas.microsoft.com/office/drawing/2014/main" id="{24CD2AC2-0808-4DC2-BC9C-620A72DF7169}"/>
-              </a:ext>
-            </a:extLst>
-          </p:cNvPr>
-          <p:cNvSpPr/>
-          <p:nvPr/>
+          <p:cNvPr id="138" name="Title 9">
+            <a:extLst>
+              <a:ext uri="{FF2B5EF4-FFF2-40B4-BE49-F238E27FC236}">
+                <a16:creationId xmlns:a16="http://schemas.microsoft.com/office/drawing/2014/main" id="{1B65E34D-434C-4417-A0C6-B600B420B07A}"/>
+              </a:ext>
+            </a:extLst>
+          </p:cNvPr>
+          <p:cNvSpPr>
+            <a:spLocks noGrp="1"/>
+          </p:cNvSpPr>
+          <p:nvPr>
+            <p:ph type="title"/>
+          </p:nvPr>
         </p:nvSpPr>
         <p:spPr>
           <a:xfrm>
-            <a:off x="5220929" y="1160207"/>
-            <a:ext cx="3993014" cy="3130286"/>
+            <a:off x="833638" y="2680369"/>
+            <a:ext cx="10921834" cy="555304"/>
           </a:xfrm>
-          <a:prstGeom prst="rect">
-            <a:avLst/>
-          </a:prstGeom>
-          <a:solidFill>
-            <a:schemeClr val="bg2"/>
-          </a:solidFill>
-          <a:ln>
-            <a:solidFill>
-              <a:schemeClr val="bg2"/>
-            </a:solidFill>
-          </a:ln>
         </p:spPr>
-        <p:style>
-          <a:lnRef idx="2">
-            <a:schemeClr val="accent1">
-              <a:shade val="50000"/>
-            </a:schemeClr>
-          </a:lnRef>
-          <a:fillRef idx="1">
-            <a:schemeClr val="accent1"/>
-          </a:fillRef>
-          <a:effectRef idx="0">
-            <a:schemeClr val="accent1"/>
-          </a:effectRef>
-          <a:fontRef idx="minor">
-            <a:schemeClr val="lt1"/>
-          </a:fontRef>
-        </p:style>
-        <p:txBody>
-          <a:bodyPr rtlCol="0" anchor="ctr"/>
+        <p:txBody>
+          <a:bodyPr>
+            <a:noAutofit/>
+          </a:bodyPr>
           <a:lstStyle/>
           <a:p>
             <a:pPr algn="ctr"/>
-            <a:endParaRPr lang="en-US" sz="900" dirty="0">
+            <a:r>
+              <a:rPr lang="en-US" dirty="0">
+                <a:solidFill>
+                  <a:srgbClr val="0070C0"/>
+                </a:solidFill>
+                <a:latin typeface="Segoe UI Semibold" panose="020B0702040204020203" pitchFamily="34" charset="0"/>
+                <a:cs typeface="Segoe UI Semibold" panose="020B0702040204020203" pitchFamily="34" charset="0"/>
+              </a:rPr>
+              <a:t>Deploy your micro-REST-API services in containers running </a:t>
+            </a:r>
+            <a:br>
+              <a:rPr lang="en-US" dirty="0">
+                <a:solidFill>
+                  <a:srgbClr val="0070C0"/>
+                </a:solidFill>
+                <a:latin typeface="Segoe UI Semibold" panose="020B0702040204020203" pitchFamily="34" charset="0"/>
+                <a:cs typeface="Segoe UI Semibold" panose="020B0702040204020203" pitchFamily="34" charset="0"/>
+              </a:rPr>
+            </a:br>
+            <a:r>
+              <a:rPr lang="en-US" dirty="0">
+                <a:solidFill>
+                  <a:srgbClr val="0070C0"/>
+                </a:solidFill>
+                <a:latin typeface="Segoe UI Semibold" panose="020B0702040204020203" pitchFamily="34" charset="0"/>
+                <a:cs typeface="Segoe UI Semibold" panose="020B0702040204020203" pitchFamily="34" charset="0"/>
+              </a:rPr>
+              <a:t>on a single App Service</a:t>
+            </a:r>
+            <a:endParaRPr lang="en-US" dirty="0">
               <a:solidFill>
-                <a:schemeClr val="bg1"/>
+                <a:srgbClr val="0070C0"/>
               </a:solidFill>
             </a:endParaRPr>
-          </a:p>
-          <a:p>
-            <a:pPr algn="ctr"/>
-            <a:endParaRPr lang="en-US" sz="900" dirty="0">
-              <a:solidFill>
-                <a:schemeClr val="bg1"/>
-              </a:solidFill>
-            </a:endParaRPr>
-          </a:p>
-          <a:p>
-            <a:pPr algn="ctr"/>
-            <a:endParaRPr lang="en-US" sz="900" dirty="0">
-              <a:solidFill>
-                <a:schemeClr val="bg1"/>
-              </a:solidFill>
-            </a:endParaRPr>
-          </a:p>
-          <a:p>
-            <a:pPr algn="ctr"/>
-            <a:endParaRPr lang="en-US" sz="900" dirty="0">
-              <a:solidFill>
-                <a:schemeClr val="bg1"/>
-              </a:solidFill>
-            </a:endParaRPr>
-          </a:p>
-          <a:p>
-            <a:pPr algn="ctr"/>
-            <a:endParaRPr lang="en-US" sz="900" dirty="0">
-              <a:solidFill>
-                <a:schemeClr val="bg1"/>
-              </a:solidFill>
-            </a:endParaRPr>
-          </a:p>
-          <a:p>
-            <a:pPr algn="ctr"/>
-            <a:endParaRPr lang="en-US" sz="900" dirty="0">
-              <a:solidFill>
-                <a:schemeClr val="bg1"/>
-              </a:solidFill>
-            </a:endParaRPr>
-          </a:p>
-          <a:p>
-            <a:pPr algn="ctr"/>
-            <a:endParaRPr lang="en-US" sz="900" dirty="0">
-              <a:solidFill>
-                <a:schemeClr val="bg1"/>
-              </a:solidFill>
-            </a:endParaRPr>
-          </a:p>
-          <a:p>
-            <a:pPr algn="ctr"/>
-            <a:endParaRPr lang="en-US" sz="900" dirty="0">
-              <a:solidFill>
-                <a:schemeClr val="bg1"/>
-              </a:solidFill>
-            </a:endParaRPr>
-          </a:p>
-          <a:p>
-            <a:pPr algn="ctr"/>
-            <a:endParaRPr lang="en-US" sz="900" dirty="0">
-              <a:solidFill>
-                <a:schemeClr val="bg1"/>
-              </a:solidFill>
-            </a:endParaRPr>
-          </a:p>
-          <a:p>
-            <a:pPr algn="ctr"/>
-            <a:endParaRPr lang="en-US" sz="900" dirty="0">
-              <a:solidFill>
-                <a:schemeClr val="bg1"/>
-              </a:solidFill>
-            </a:endParaRPr>
-          </a:p>
-          <a:p>
-            <a:pPr algn="ctr"/>
-            <a:endParaRPr lang="en-US" sz="900" dirty="0">
-              <a:solidFill>
-                <a:schemeClr val="bg1"/>
-              </a:solidFill>
-            </a:endParaRPr>
-          </a:p>
-          <a:p>
-            <a:pPr algn="ctr"/>
-            <a:endParaRPr lang="en-US" sz="900" dirty="0">
-              <a:solidFill>
-                <a:schemeClr val="bg1"/>
-              </a:solidFill>
-            </a:endParaRPr>
-          </a:p>
-          <a:p>
-            <a:pPr algn="ctr"/>
-            <a:endParaRPr lang="en-US" sz="900" dirty="0">
-              <a:solidFill>
-                <a:schemeClr val="bg1"/>
-              </a:solidFill>
-            </a:endParaRPr>
-          </a:p>
-          <a:p>
-            <a:pPr algn="ctr"/>
-            <a:endParaRPr lang="en-US" sz="900" dirty="0">
-              <a:solidFill>
-                <a:schemeClr val="bg1"/>
-              </a:solidFill>
-            </a:endParaRPr>
-          </a:p>
-          <a:p>
-            <a:pPr algn="ctr"/>
-            <a:endParaRPr lang="en-US" sz="900" dirty="0">
-              <a:solidFill>
-                <a:schemeClr val="bg1"/>
-              </a:solidFill>
-            </a:endParaRPr>
-          </a:p>
-          <a:p>
-            <a:pPr algn="ctr"/>
-            <a:endParaRPr lang="en-US" sz="900" dirty="0">
-              <a:solidFill>
-                <a:schemeClr val="bg1"/>
-              </a:solidFill>
-            </a:endParaRPr>
-          </a:p>
-          <a:p>
-            <a:pPr algn="ctr"/>
-            <a:endParaRPr lang="en-US" sz="900" dirty="0">
-              <a:solidFill>
-                <a:schemeClr val="bg1"/>
-              </a:solidFill>
-            </a:endParaRPr>
-          </a:p>
-          <a:p>
-            <a:pPr algn="ctr"/>
-            <a:endParaRPr lang="en-US" sz="900" dirty="0">
-              <a:solidFill>
-                <a:schemeClr val="bg1"/>
-              </a:solidFill>
-            </a:endParaRPr>
-          </a:p>
-          <a:p>
-            <a:pPr algn="ctr"/>
-            <a:endParaRPr lang="en-US" sz="900" dirty="0">
-              <a:solidFill>
-                <a:schemeClr val="bg1"/>
-              </a:solidFill>
-            </a:endParaRPr>
-          </a:p>
-          <a:p>
-            <a:pPr algn="ctr"/>
-            <a:r>
-              <a:rPr lang="en-US" sz="1400" b="1" dirty="0">
-                <a:solidFill>
-                  <a:schemeClr val="bg1"/>
-                </a:solidFill>
-              </a:rPr>
-              <a:t>Azure App Service</a:t>
-            </a:r>
-          </a:p>
-        </p:txBody>
-      </p:sp>
-      <p:sp>
-        <p:nvSpPr>
-          <p:cNvPr id="7" name="Rectangle 6">
-            <a:extLst>
-              <a:ext uri="{FF2B5EF4-FFF2-40B4-BE49-F238E27FC236}">
-                <a16:creationId xmlns:a16="http://schemas.microsoft.com/office/drawing/2014/main" id="{26BF7021-DCDD-4C43-BADD-CB9FD32784E7}"/>
-              </a:ext>
-            </a:extLst>
-          </p:cNvPr>
-          <p:cNvSpPr/>
-          <p:nvPr/>
-        </p:nvSpPr>
-        <p:spPr>
-          <a:xfrm>
-            <a:off x="5708684" y="1611371"/>
-            <a:ext cx="990980" cy="612861"/>
-          </a:xfrm>
-          <a:prstGeom prst="rect">
-            <a:avLst/>
-          </a:prstGeom>
-          <a:solidFill>
-            <a:srgbClr val="00B0F0"/>
-          </a:solidFill>
-          <a:ln>
-            <a:noFill/>
-          </a:ln>
-        </p:spPr>
-        <p:style>
-          <a:lnRef idx="2">
-            <a:schemeClr val="accent1">
-              <a:shade val="50000"/>
-            </a:schemeClr>
-          </a:lnRef>
-          <a:fillRef idx="1">
-            <a:schemeClr val="accent1"/>
-          </a:fillRef>
-          <a:effectRef idx="0">
-            <a:schemeClr val="accent1"/>
-          </a:effectRef>
-          <a:fontRef idx="minor">
-            <a:schemeClr val="lt1"/>
-          </a:fontRef>
-        </p:style>
-        <p:txBody>
-          <a:bodyPr rtlCol="0" anchor="ctr"/>
-          <a:lstStyle/>
-          <a:p>
-            <a:pPr algn="ctr"/>
-            <a:r>
-              <a:rPr lang="en-US" sz="1400" b="1" dirty="0" err="1">
-                <a:solidFill>
-                  <a:schemeClr val="bg1"/>
-                </a:solidFill>
-              </a:rPr>
-              <a:t>fastapi</a:t>
-            </a:r>
-            <a:r>
-              <a:rPr lang="en-US" sz="1400" b="1" dirty="0">
-                <a:solidFill>
-                  <a:schemeClr val="bg1"/>
-                </a:solidFill>
-              </a:rPr>
-              <a:t>-rest-</a:t>
-            </a:r>
-            <a:r>
-              <a:rPr lang="en-US" sz="1400" b="1" dirty="0" err="1">
-                <a:solidFill>
-                  <a:schemeClr val="bg1"/>
-                </a:solidFill>
-              </a:rPr>
-              <a:t>api</a:t>
-            </a:r>
-            <a:endParaRPr lang="en-US" sz="1400" b="1" dirty="0">
-              <a:solidFill>
-                <a:schemeClr val="bg1"/>
-              </a:solidFill>
-            </a:endParaRPr>
-          </a:p>
-        </p:txBody>
-      </p:sp>
-      <p:sp>
-        <p:nvSpPr>
-          <p:cNvPr id="9" name="Rectangle 8">
-            <a:extLst>
-              <a:ext uri="{FF2B5EF4-FFF2-40B4-BE49-F238E27FC236}">
-                <a16:creationId xmlns:a16="http://schemas.microsoft.com/office/drawing/2014/main" id="{28CB9EAA-4D6A-4AC5-A58C-45793A49979C}"/>
-              </a:ext>
-            </a:extLst>
-          </p:cNvPr>
-          <p:cNvSpPr/>
-          <p:nvPr/>
-        </p:nvSpPr>
-        <p:spPr>
-          <a:xfrm>
-            <a:off x="7859408" y="1611371"/>
-            <a:ext cx="990980" cy="612861"/>
-          </a:xfrm>
-          <a:prstGeom prst="rect">
-            <a:avLst/>
-          </a:prstGeom>
-          <a:solidFill>
-            <a:srgbClr val="00B0F0"/>
-          </a:solidFill>
-          <a:ln>
-            <a:noFill/>
-          </a:ln>
-        </p:spPr>
-        <p:style>
-          <a:lnRef idx="2">
-            <a:schemeClr val="accent1">
-              <a:shade val="50000"/>
-            </a:schemeClr>
-          </a:lnRef>
-          <a:fillRef idx="1">
-            <a:schemeClr val="accent1"/>
-          </a:fillRef>
-          <a:effectRef idx="0">
-            <a:schemeClr val="accent1"/>
-          </a:effectRef>
-          <a:fontRef idx="minor">
-            <a:schemeClr val="lt1"/>
-          </a:fontRef>
-        </p:style>
-        <p:txBody>
-          <a:bodyPr rtlCol="0" anchor="ctr"/>
-          <a:lstStyle/>
-          <a:p>
-            <a:pPr algn="ctr"/>
-            <a:r>
-              <a:rPr lang="en-US" sz="1400" b="1" dirty="0">
-                <a:solidFill>
-                  <a:schemeClr val="bg1"/>
-                </a:solidFill>
-              </a:rPr>
-              <a:t>flask-rest-</a:t>
-            </a:r>
-            <a:r>
-              <a:rPr lang="en-US" sz="1400" b="1" dirty="0" err="1">
-                <a:solidFill>
-                  <a:schemeClr val="bg1"/>
-                </a:solidFill>
-              </a:rPr>
-              <a:t>api</a:t>
-            </a:r>
-            <a:endParaRPr lang="en-US" sz="1400" b="1" dirty="0">
-              <a:solidFill>
-                <a:schemeClr val="bg1"/>
-              </a:solidFill>
-            </a:endParaRPr>
-          </a:p>
-        </p:txBody>
-      </p:sp>
-      <p:sp>
-        <p:nvSpPr>
-          <p:cNvPr id="11" name="Rectangle 10">
-            <a:extLst>
-              <a:ext uri="{FF2B5EF4-FFF2-40B4-BE49-F238E27FC236}">
-                <a16:creationId xmlns:a16="http://schemas.microsoft.com/office/drawing/2014/main" id="{ED3D2712-6B14-471E-91EA-F8A72C436A40}"/>
-              </a:ext>
-            </a:extLst>
-          </p:cNvPr>
-          <p:cNvSpPr/>
-          <p:nvPr/>
-        </p:nvSpPr>
-        <p:spPr>
-          <a:xfrm>
-            <a:off x="6752816" y="3154222"/>
-            <a:ext cx="990980" cy="612861"/>
-          </a:xfrm>
-          <a:prstGeom prst="rect">
-            <a:avLst/>
-          </a:prstGeom>
-          <a:solidFill>
-            <a:srgbClr val="00B0F0"/>
-          </a:solidFill>
-          <a:ln>
-            <a:noFill/>
-          </a:ln>
-        </p:spPr>
-        <p:style>
-          <a:lnRef idx="2">
-            <a:schemeClr val="accent1">
-              <a:shade val="50000"/>
-            </a:schemeClr>
-          </a:lnRef>
-          <a:fillRef idx="1">
-            <a:schemeClr val="accent1"/>
-          </a:fillRef>
-          <a:effectRef idx="0">
-            <a:schemeClr val="accent1"/>
-          </a:effectRef>
-          <a:fontRef idx="minor">
-            <a:schemeClr val="lt1"/>
-          </a:fontRef>
-        </p:style>
-        <p:txBody>
-          <a:bodyPr rtlCol="0" anchor="ctr"/>
-          <a:lstStyle/>
-          <a:p>
-            <a:pPr algn="ctr"/>
-            <a:r>
-              <a:rPr lang="en-US" sz="1400" b="1" dirty="0">
-                <a:solidFill>
-                  <a:schemeClr val="bg1"/>
-                </a:solidFill>
-              </a:rPr>
-              <a:t>nginx-</a:t>
-            </a:r>
-            <a:r>
-              <a:rPr lang="en-US" sz="1400" b="1" dirty="0" err="1">
-                <a:solidFill>
-                  <a:schemeClr val="bg1"/>
-                </a:solidFill>
-              </a:rPr>
-              <a:t>api</a:t>
-            </a:r>
-            <a:endParaRPr lang="en-US" sz="1400" b="1" dirty="0">
-              <a:solidFill>
-                <a:schemeClr val="bg1"/>
-              </a:solidFill>
-            </a:endParaRPr>
-          </a:p>
-        </p:txBody>
-      </p:sp>
-      <p:pic>
-        <p:nvPicPr>
-          <p:cNvPr id="13" name="Picture 12" descr="Shape, icon&#10;&#10;Description automatically generated">
-            <a:extLst>
-              <a:ext uri="{FF2B5EF4-FFF2-40B4-BE49-F238E27FC236}">
-                <a16:creationId xmlns:a16="http://schemas.microsoft.com/office/drawing/2014/main" id="{342417B9-B3AF-46D8-9A3C-293152D1F7BD}"/>
-              </a:ext>
-            </a:extLst>
-          </p:cNvPr>
-          <p:cNvPicPr>
-            <a:picLocks noChangeAspect="1"/>
-          </p:cNvPicPr>
-          <p:nvPr/>
-        </p:nvPicPr>
-        <p:blipFill>
-          <a:blip r:embed="rId2"/>
-          <a:stretch>
-            <a:fillRect/>
-          </a:stretch>
-        </p:blipFill>
-        <p:spPr>
-          <a:xfrm>
-            <a:off x="7628184" y="3643972"/>
-            <a:ext cx="231224" cy="246221"/>
-          </a:xfrm>
-          <a:prstGeom prst="rect">
-            <a:avLst/>
-          </a:prstGeom>
-        </p:spPr>
-      </p:pic>
-      <p:pic>
-        <p:nvPicPr>
-          <p:cNvPr id="15" name="Picture 14" descr="Shape, icon&#10;&#10;Description automatically generated">
-            <a:extLst>
-              <a:ext uri="{FF2B5EF4-FFF2-40B4-BE49-F238E27FC236}">
-                <a16:creationId xmlns:a16="http://schemas.microsoft.com/office/drawing/2014/main" id="{35F6D9EB-E05C-4ED6-8C7C-5C0C42C53EE7}"/>
-              </a:ext>
-            </a:extLst>
-          </p:cNvPr>
-          <p:cNvPicPr>
-            <a:picLocks noChangeAspect="1"/>
-          </p:cNvPicPr>
-          <p:nvPr/>
-        </p:nvPicPr>
-        <p:blipFill>
-          <a:blip r:embed="rId2"/>
-          <a:stretch>
-            <a:fillRect/>
-          </a:stretch>
-        </p:blipFill>
-        <p:spPr>
-          <a:xfrm>
-            <a:off x="8703807" y="2107626"/>
-            <a:ext cx="231224" cy="246221"/>
-          </a:xfrm>
-          <a:prstGeom prst="rect">
-            <a:avLst/>
-          </a:prstGeom>
-        </p:spPr>
-      </p:pic>
-      <p:pic>
-        <p:nvPicPr>
-          <p:cNvPr id="17" name="Picture 16" descr="Shape, icon&#10;&#10;Description automatically generated">
-            <a:extLst>
-              <a:ext uri="{FF2B5EF4-FFF2-40B4-BE49-F238E27FC236}">
-                <a16:creationId xmlns:a16="http://schemas.microsoft.com/office/drawing/2014/main" id="{B4617522-EF48-4EA5-9DDF-09BDFBA036D4}"/>
-              </a:ext>
-            </a:extLst>
-          </p:cNvPr>
-          <p:cNvPicPr>
-            <a:picLocks noChangeAspect="1"/>
-          </p:cNvPicPr>
-          <p:nvPr/>
-        </p:nvPicPr>
-        <p:blipFill>
-          <a:blip r:embed="rId2"/>
-          <a:stretch>
-            <a:fillRect/>
-          </a:stretch>
-        </p:blipFill>
-        <p:spPr>
-          <a:xfrm>
-            <a:off x="6577604" y="2034104"/>
-            <a:ext cx="231224" cy="246221"/>
-          </a:xfrm>
-          <a:prstGeom prst="rect">
-            <a:avLst/>
-          </a:prstGeom>
-        </p:spPr>
-      </p:pic>
-      <p:sp>
-        <p:nvSpPr>
-          <p:cNvPr id="18" name="TextBox 17">
-            <a:extLst>
-              <a:ext uri="{FF2B5EF4-FFF2-40B4-BE49-F238E27FC236}">
-                <a16:creationId xmlns:a16="http://schemas.microsoft.com/office/drawing/2014/main" id="{3A5F0969-91F3-4FD8-ABF8-77E16BB64F7B}"/>
-              </a:ext>
-            </a:extLst>
-          </p:cNvPr>
-          <p:cNvSpPr txBox="1"/>
-          <p:nvPr/>
-        </p:nvSpPr>
-        <p:spPr>
-          <a:xfrm>
-            <a:off x="4991660" y="5524454"/>
-            <a:ext cx="5273047" cy="738664"/>
-          </a:xfrm>
-          <a:prstGeom prst="rect">
-            <a:avLst/>
-          </a:prstGeom>
-          <a:noFill/>
-        </p:spPr>
-        <p:txBody>
-          <a:bodyPr wrap="none" rtlCol="0">
-            <a:spAutoFit/>
-          </a:bodyPr>
-          <a:lstStyle/>
-          <a:p>
-            <a:r>
-              <a:rPr lang="en-US" sz="1200" b="1" dirty="0">
-                <a:solidFill>
-                  <a:srgbClr val="00B0F0"/>
-                </a:solidFill>
-              </a:rPr>
-              <a:t>Flask url: https://&lt;webappName&gt;.</a:t>
-            </a:r>
-            <a:r>
-              <a:rPr lang="en-US" sz="1200" b="1" dirty="0">
-                <a:solidFill>
-                  <a:srgbClr val="00B0F0"/>
-                </a:solidFill>
-                <a:effectLst/>
-              </a:rPr>
-              <a:t>azurewebsites.net/flask-rest-api/version</a:t>
-            </a:r>
-          </a:p>
-          <a:p>
-            <a:r>
-              <a:rPr lang="en-US" sz="1200" b="1" dirty="0" err="1">
-                <a:solidFill>
-                  <a:srgbClr val="00B0F0"/>
-                </a:solidFill>
-              </a:rPr>
-              <a:t>Fastapi</a:t>
-            </a:r>
-            <a:r>
-              <a:rPr lang="en-US" sz="1200" b="1" dirty="0">
-                <a:solidFill>
-                  <a:srgbClr val="00B0F0"/>
-                </a:solidFill>
-              </a:rPr>
-              <a:t> url: https://&lt;webappName&gt;.</a:t>
-            </a:r>
-            <a:r>
-              <a:rPr lang="en-US" sz="1200" b="1" dirty="0">
-                <a:solidFill>
-                  <a:srgbClr val="00B0F0"/>
-                </a:solidFill>
-                <a:effectLst/>
-              </a:rPr>
-              <a:t>azurewebsites.net/fastapi-rest-api/version</a:t>
-            </a:r>
-          </a:p>
-          <a:p>
-            <a:endParaRPr lang="en-US" dirty="0"/>
-          </a:p>
-        </p:txBody>
-      </p:sp>
-      <p:sp>
-        <p:nvSpPr>
-          <p:cNvPr id="19" name="Freeform: Shape 18">
-            <a:extLst>
-              <a:ext uri="{FF2B5EF4-FFF2-40B4-BE49-F238E27FC236}">
-                <a16:creationId xmlns:a16="http://schemas.microsoft.com/office/drawing/2014/main" id="{2550AFB1-E48E-443C-99CC-CEE4226D9791}"/>
-              </a:ext>
-            </a:extLst>
-          </p:cNvPr>
-          <p:cNvSpPr/>
-          <p:nvPr/>
-        </p:nvSpPr>
-        <p:spPr>
-          <a:xfrm>
-            <a:off x="7354529" y="2268150"/>
-            <a:ext cx="1134106" cy="914400"/>
-          </a:xfrm>
-          <a:custGeom>
-            <a:avLst/>
-            <a:gdLst>
-              <a:gd name="connsiteX0" fmla="*/ 0 w 1134106"/>
-              <a:gd name="connsiteY0" fmla="*/ 914400 h 914400"/>
-              <a:gd name="connsiteX1" fmla="*/ 275303 w 1134106"/>
-              <a:gd name="connsiteY1" fmla="*/ 393290 h 914400"/>
-              <a:gd name="connsiteX2" fmla="*/ 1042219 w 1134106"/>
-              <a:gd name="connsiteY2" fmla="*/ 353961 h 914400"/>
-              <a:gd name="connsiteX3" fmla="*/ 1091381 w 1134106"/>
-              <a:gd name="connsiteY3" fmla="*/ 0 h 914400"/>
-            </a:gdLst>
-            <a:ahLst/>
-            <a:cxnLst>
-              <a:cxn ang="0">
-                <a:pos x="connsiteX0" y="connsiteY0"/>
-              </a:cxn>
-              <a:cxn ang="0">
-                <a:pos x="connsiteX1" y="connsiteY1"/>
-              </a:cxn>
-              <a:cxn ang="0">
-                <a:pos x="connsiteX2" y="connsiteY2"/>
-              </a:cxn>
-              <a:cxn ang="0">
-                <a:pos x="connsiteX3" y="connsiteY3"/>
-              </a:cxn>
-            </a:cxnLst>
-            <a:rect l="l" t="t" r="r" b="b"/>
-            <a:pathLst>
-              <a:path w="1134106" h="914400">
-                <a:moveTo>
-                  <a:pt x="0" y="914400"/>
-                </a:moveTo>
-                <a:cubicBezTo>
-                  <a:pt x="50800" y="700548"/>
-                  <a:pt x="101600" y="486696"/>
-                  <a:pt x="275303" y="393290"/>
-                </a:cubicBezTo>
-                <a:cubicBezTo>
-                  <a:pt x="449006" y="299883"/>
-                  <a:pt x="906206" y="419509"/>
-                  <a:pt x="1042219" y="353961"/>
-                </a:cubicBezTo>
-                <a:cubicBezTo>
-                  <a:pt x="1178232" y="288413"/>
-                  <a:pt x="1134806" y="144206"/>
-                  <a:pt x="1091381" y="0"/>
-                </a:cubicBezTo>
-              </a:path>
-            </a:pathLst>
-          </a:custGeom>
-          <a:noFill/>
-          <a:ln w="31750">
-            <a:solidFill>
-              <a:srgbClr val="00B0F0"/>
-            </a:solidFill>
-            <a:tailEnd type="triangle"/>
-          </a:ln>
-        </p:spPr>
-        <p:style>
-          <a:lnRef idx="2">
-            <a:schemeClr val="accent1">
-              <a:shade val="50000"/>
-            </a:schemeClr>
-          </a:lnRef>
-          <a:fillRef idx="1">
-            <a:schemeClr val="accent1"/>
-          </a:fillRef>
-          <a:effectRef idx="0">
-            <a:schemeClr val="accent1"/>
-          </a:effectRef>
-          <a:fontRef idx="minor">
-            <a:schemeClr val="lt1"/>
-          </a:fontRef>
-        </p:style>
-        <p:txBody>
-          <a:bodyPr rtlCol="0" anchor="ctr"/>
-          <a:lstStyle/>
-          <a:p>
-            <a:pPr algn="ctr"/>
-            <a:endParaRPr lang="en-US"/>
-          </a:p>
-        </p:txBody>
-      </p:sp>
-      <p:sp>
-        <p:nvSpPr>
-          <p:cNvPr id="21" name="Freeform: Shape 20">
-            <a:extLst>
-              <a:ext uri="{FF2B5EF4-FFF2-40B4-BE49-F238E27FC236}">
-                <a16:creationId xmlns:a16="http://schemas.microsoft.com/office/drawing/2014/main" id="{28641C4D-6DB9-48E2-B318-5D1A7483F5BE}"/>
-              </a:ext>
-            </a:extLst>
-          </p:cNvPr>
-          <p:cNvSpPr/>
-          <p:nvPr/>
-        </p:nvSpPr>
-        <p:spPr>
-          <a:xfrm flipH="1">
-            <a:off x="6005251" y="2251796"/>
-            <a:ext cx="1134106" cy="914400"/>
-          </a:xfrm>
-          <a:custGeom>
-            <a:avLst/>
-            <a:gdLst>
-              <a:gd name="connsiteX0" fmla="*/ 0 w 1134106"/>
-              <a:gd name="connsiteY0" fmla="*/ 914400 h 914400"/>
-              <a:gd name="connsiteX1" fmla="*/ 275303 w 1134106"/>
-              <a:gd name="connsiteY1" fmla="*/ 393290 h 914400"/>
-              <a:gd name="connsiteX2" fmla="*/ 1042219 w 1134106"/>
-              <a:gd name="connsiteY2" fmla="*/ 353961 h 914400"/>
-              <a:gd name="connsiteX3" fmla="*/ 1091381 w 1134106"/>
-              <a:gd name="connsiteY3" fmla="*/ 0 h 914400"/>
-            </a:gdLst>
-            <a:ahLst/>
-            <a:cxnLst>
-              <a:cxn ang="0">
-                <a:pos x="connsiteX0" y="connsiteY0"/>
-              </a:cxn>
-              <a:cxn ang="0">
-                <a:pos x="connsiteX1" y="connsiteY1"/>
-              </a:cxn>
-              <a:cxn ang="0">
-                <a:pos x="connsiteX2" y="connsiteY2"/>
-              </a:cxn>
-              <a:cxn ang="0">
-                <a:pos x="connsiteX3" y="connsiteY3"/>
-              </a:cxn>
-            </a:cxnLst>
-            <a:rect l="l" t="t" r="r" b="b"/>
-            <a:pathLst>
-              <a:path w="1134106" h="914400">
-                <a:moveTo>
-                  <a:pt x="0" y="914400"/>
-                </a:moveTo>
-                <a:cubicBezTo>
-                  <a:pt x="50800" y="700548"/>
-                  <a:pt x="101600" y="486696"/>
-                  <a:pt x="275303" y="393290"/>
-                </a:cubicBezTo>
-                <a:cubicBezTo>
-                  <a:pt x="449006" y="299883"/>
-                  <a:pt x="906206" y="419509"/>
-                  <a:pt x="1042219" y="353961"/>
-                </a:cubicBezTo>
-                <a:cubicBezTo>
-                  <a:pt x="1178232" y="288413"/>
-                  <a:pt x="1134806" y="144206"/>
-                  <a:pt x="1091381" y="0"/>
-                </a:cubicBezTo>
-              </a:path>
-            </a:pathLst>
-          </a:custGeom>
-          <a:noFill/>
-          <a:ln w="31750">
-            <a:solidFill>
-              <a:srgbClr val="00B0F0"/>
-            </a:solidFill>
-            <a:tailEnd type="triangle"/>
-          </a:ln>
-        </p:spPr>
-        <p:style>
-          <a:lnRef idx="2">
-            <a:schemeClr val="accent1">
-              <a:shade val="50000"/>
-            </a:schemeClr>
-          </a:lnRef>
-          <a:fillRef idx="1">
-            <a:schemeClr val="accent1"/>
-          </a:fillRef>
-          <a:effectRef idx="0">
-            <a:schemeClr val="accent1"/>
-          </a:effectRef>
-          <a:fontRef idx="minor">
-            <a:schemeClr val="lt1"/>
-          </a:fontRef>
-        </p:style>
-        <p:txBody>
-          <a:bodyPr rtlCol="0" anchor="ctr"/>
-          <a:lstStyle/>
-          <a:p>
-            <a:pPr algn="ctr"/>
-            <a:endParaRPr lang="en-US" dirty="0"/>
-          </a:p>
-        </p:txBody>
-      </p:sp>
-      <p:sp>
-        <p:nvSpPr>
-          <p:cNvPr id="23" name="TextBox 22">
-            <a:extLst>
-              <a:ext uri="{FF2B5EF4-FFF2-40B4-BE49-F238E27FC236}">
-                <a16:creationId xmlns:a16="http://schemas.microsoft.com/office/drawing/2014/main" id="{F81595DB-7F60-456F-BC18-CC17A9EEF9C4}"/>
-              </a:ext>
-            </a:extLst>
-          </p:cNvPr>
-          <p:cNvSpPr txBox="1"/>
-          <p:nvPr/>
-        </p:nvSpPr>
-        <p:spPr>
-          <a:xfrm>
-            <a:off x="7683245" y="2720487"/>
-            <a:ext cx="1199816" cy="584775"/>
-          </a:xfrm>
-          <a:prstGeom prst="rect">
-            <a:avLst/>
-          </a:prstGeom>
-          <a:noFill/>
-        </p:spPr>
-        <p:txBody>
-          <a:bodyPr wrap="none" rtlCol="0">
-            <a:spAutoFit/>
-          </a:bodyPr>
-          <a:lstStyle/>
-          <a:p>
-            <a:r>
-              <a:rPr lang="en-US" sz="1400" b="0" dirty="0">
-                <a:solidFill>
-                  <a:srgbClr val="00B0F0"/>
-                </a:solidFill>
-                <a:effectLst/>
-              </a:rPr>
-              <a:t>/flask-rest-</a:t>
-            </a:r>
-            <a:r>
-              <a:rPr lang="en-US" sz="1400" b="0" dirty="0" err="1">
-                <a:solidFill>
-                  <a:srgbClr val="00B0F0"/>
-                </a:solidFill>
-                <a:effectLst/>
-              </a:rPr>
-              <a:t>api</a:t>
-            </a:r>
-            <a:endParaRPr lang="en-US" sz="1400" b="0" dirty="0">
-              <a:solidFill>
-                <a:srgbClr val="00B0F0"/>
-              </a:solidFill>
-              <a:effectLst/>
-            </a:endParaRPr>
-          </a:p>
-          <a:p>
-            <a:endParaRPr lang="en-US" dirty="0"/>
-          </a:p>
-        </p:txBody>
-      </p:sp>
-      <p:sp>
-        <p:nvSpPr>
-          <p:cNvPr id="25" name="TextBox 24">
-            <a:extLst>
-              <a:ext uri="{FF2B5EF4-FFF2-40B4-BE49-F238E27FC236}">
-                <a16:creationId xmlns:a16="http://schemas.microsoft.com/office/drawing/2014/main" id="{2CA841EE-E443-4065-B2F0-00F9B8BCEDE7}"/>
-              </a:ext>
-            </a:extLst>
-          </p:cNvPr>
-          <p:cNvSpPr txBox="1"/>
-          <p:nvPr/>
-        </p:nvSpPr>
-        <p:spPr>
-          <a:xfrm>
-            <a:off x="5628325" y="2752501"/>
-            <a:ext cx="1352422" cy="584775"/>
-          </a:xfrm>
-          <a:prstGeom prst="rect">
-            <a:avLst/>
-          </a:prstGeom>
-          <a:noFill/>
-        </p:spPr>
-        <p:txBody>
-          <a:bodyPr wrap="none" rtlCol="0">
-            <a:spAutoFit/>
-          </a:bodyPr>
-          <a:lstStyle/>
-          <a:p>
-            <a:r>
-              <a:rPr lang="en-US" sz="1400" b="0" dirty="0">
-                <a:solidFill>
-                  <a:srgbClr val="00B0F0"/>
-                </a:solidFill>
-                <a:effectLst/>
-              </a:rPr>
-              <a:t>/</a:t>
-            </a:r>
-            <a:r>
-              <a:rPr lang="en-US" sz="1400" b="0" dirty="0" err="1">
-                <a:solidFill>
-                  <a:srgbClr val="00B0F0"/>
-                </a:solidFill>
-                <a:effectLst/>
-              </a:rPr>
-              <a:t>fastapi</a:t>
-            </a:r>
-            <a:r>
-              <a:rPr lang="en-US" sz="1400" b="0" dirty="0">
-                <a:solidFill>
-                  <a:srgbClr val="00B0F0"/>
-                </a:solidFill>
-                <a:effectLst/>
-              </a:rPr>
-              <a:t>-rest-</a:t>
-            </a:r>
-            <a:r>
-              <a:rPr lang="en-US" sz="1400" b="0" dirty="0" err="1">
-                <a:solidFill>
-                  <a:srgbClr val="00B0F0"/>
-                </a:solidFill>
-                <a:effectLst/>
-              </a:rPr>
-              <a:t>api</a:t>
-            </a:r>
-            <a:endParaRPr lang="en-US" sz="1400" b="0" dirty="0">
-              <a:solidFill>
-                <a:srgbClr val="00B0F0"/>
-              </a:solidFill>
-              <a:effectLst/>
-            </a:endParaRPr>
-          </a:p>
-          <a:p>
-            <a:endParaRPr lang="en-US" dirty="0"/>
-          </a:p>
-        </p:txBody>
-      </p:sp>
-      <p:sp>
-        <p:nvSpPr>
-          <p:cNvPr id="27" name="Freeform: Shape 26">
-            <a:extLst>
-              <a:ext uri="{FF2B5EF4-FFF2-40B4-BE49-F238E27FC236}">
-                <a16:creationId xmlns:a16="http://schemas.microsoft.com/office/drawing/2014/main" id="{B8D24875-E6A4-4C07-AAC2-BBC66833ECA6}"/>
-              </a:ext>
-            </a:extLst>
-          </p:cNvPr>
-          <p:cNvSpPr/>
-          <p:nvPr/>
-        </p:nvSpPr>
-        <p:spPr>
-          <a:xfrm>
-            <a:off x="7078939" y="3783216"/>
-            <a:ext cx="455433" cy="1725105"/>
-          </a:xfrm>
-          <a:custGeom>
-            <a:avLst/>
-            <a:gdLst>
-              <a:gd name="connsiteX0" fmla="*/ 0 w 455433"/>
-              <a:gd name="connsiteY0" fmla="*/ 1725105 h 1725105"/>
-              <a:gd name="connsiteX1" fmla="*/ 452487 w 455433"/>
-              <a:gd name="connsiteY1" fmla="*/ 1112363 h 1725105"/>
-              <a:gd name="connsiteX2" fmla="*/ 160256 w 455433"/>
-              <a:gd name="connsiteY2" fmla="*/ 0 h 1725105"/>
-            </a:gdLst>
-            <a:ahLst/>
-            <a:cxnLst>
-              <a:cxn ang="0">
-                <a:pos x="connsiteX0" y="connsiteY0"/>
-              </a:cxn>
-              <a:cxn ang="0">
-                <a:pos x="connsiteX1" y="connsiteY1"/>
-              </a:cxn>
-              <a:cxn ang="0">
-                <a:pos x="connsiteX2" y="connsiteY2"/>
-              </a:cxn>
-            </a:cxnLst>
-            <a:rect l="l" t="t" r="r" b="b"/>
-            <a:pathLst>
-              <a:path w="455433" h="1725105">
-                <a:moveTo>
-                  <a:pt x="0" y="1725105"/>
-                </a:moveTo>
-                <a:cubicBezTo>
-                  <a:pt x="212889" y="1562492"/>
-                  <a:pt x="425778" y="1399880"/>
-                  <a:pt x="452487" y="1112363"/>
-                </a:cubicBezTo>
-                <a:cubicBezTo>
-                  <a:pt x="479196" y="824846"/>
-                  <a:pt x="319726" y="412423"/>
-                  <a:pt x="160256" y="0"/>
-                </a:cubicBezTo>
-              </a:path>
-            </a:pathLst>
-          </a:custGeom>
-          <a:noFill/>
-          <a:ln w="25400">
-            <a:solidFill>
-              <a:srgbClr val="00B0F0"/>
-            </a:solidFill>
-            <a:tailEnd type="triangle"/>
-          </a:ln>
-        </p:spPr>
-        <p:style>
-          <a:lnRef idx="2">
-            <a:schemeClr val="accent1">
-              <a:shade val="50000"/>
-            </a:schemeClr>
-          </a:lnRef>
-          <a:fillRef idx="1">
-            <a:schemeClr val="accent1"/>
-          </a:fillRef>
-          <a:effectRef idx="0">
-            <a:schemeClr val="accent1"/>
-          </a:effectRef>
-          <a:fontRef idx="minor">
-            <a:schemeClr val="lt1"/>
-          </a:fontRef>
-        </p:style>
-        <p:txBody>
-          <a:bodyPr rtlCol="0" anchor="ctr"/>
-          <a:lstStyle/>
-          <a:p>
-            <a:pPr algn="ctr"/>
-            <a:endParaRPr lang="en-US"/>
-          </a:p>
-        </p:txBody>
-      </p:sp>
-      <p:sp>
-        <p:nvSpPr>
-          <p:cNvPr id="29" name="TextBox 28">
-            <a:extLst>
-              <a:ext uri="{FF2B5EF4-FFF2-40B4-BE49-F238E27FC236}">
-                <a16:creationId xmlns:a16="http://schemas.microsoft.com/office/drawing/2014/main" id="{63248832-4792-4EB7-92D6-C14DDF3BA6A2}"/>
-              </a:ext>
-            </a:extLst>
-          </p:cNvPr>
-          <p:cNvSpPr txBox="1"/>
-          <p:nvPr/>
-        </p:nvSpPr>
-        <p:spPr>
-          <a:xfrm>
-            <a:off x="7749330" y="2210750"/>
-            <a:ext cx="739305" cy="523220"/>
-          </a:xfrm>
-          <a:prstGeom prst="rect">
-            <a:avLst/>
-          </a:prstGeom>
-          <a:noFill/>
-        </p:spPr>
-        <p:txBody>
-          <a:bodyPr wrap="none" rtlCol="0">
-            <a:spAutoFit/>
-          </a:bodyPr>
-          <a:lstStyle/>
-          <a:p>
-            <a:r>
-              <a:rPr lang="en-US" sz="1000" b="1" dirty="0">
-                <a:solidFill>
-                  <a:srgbClr val="00B0F0"/>
-                </a:solidFill>
-                <a:effectLst/>
-              </a:rPr>
-              <a:t>Port: 5000</a:t>
-            </a:r>
-          </a:p>
-          <a:p>
-            <a:endParaRPr lang="en-US" dirty="0"/>
-          </a:p>
-        </p:txBody>
-      </p:sp>
-      <p:sp>
-        <p:nvSpPr>
-          <p:cNvPr id="31" name="TextBox 30">
-            <a:extLst>
-              <a:ext uri="{FF2B5EF4-FFF2-40B4-BE49-F238E27FC236}">
-                <a16:creationId xmlns:a16="http://schemas.microsoft.com/office/drawing/2014/main" id="{1B3D96DA-371C-49FF-AB68-AF0ED41E3955}"/>
-              </a:ext>
-            </a:extLst>
-          </p:cNvPr>
-          <p:cNvSpPr txBox="1"/>
-          <p:nvPr/>
-        </p:nvSpPr>
-        <p:spPr>
-          <a:xfrm>
-            <a:off x="6081214" y="2197267"/>
-            <a:ext cx="739305" cy="523220"/>
-          </a:xfrm>
-          <a:prstGeom prst="rect">
-            <a:avLst/>
-          </a:prstGeom>
-          <a:noFill/>
-        </p:spPr>
-        <p:txBody>
-          <a:bodyPr wrap="none" rtlCol="0">
-            <a:spAutoFit/>
-          </a:bodyPr>
-          <a:lstStyle/>
-          <a:p>
-            <a:r>
-              <a:rPr lang="en-US" sz="1000" b="1" dirty="0">
-                <a:solidFill>
-                  <a:srgbClr val="00B0F0"/>
-                </a:solidFill>
-                <a:effectLst/>
-              </a:rPr>
-              <a:t>Port: 5000</a:t>
-            </a:r>
-          </a:p>
-          <a:p>
-            <a:endParaRPr lang="en-US" dirty="0"/>
-          </a:p>
-        </p:txBody>
-      </p:sp>
-      <p:sp>
-        <p:nvSpPr>
-          <p:cNvPr id="33" name="TextBox 32">
-            <a:extLst>
-              <a:ext uri="{FF2B5EF4-FFF2-40B4-BE49-F238E27FC236}">
-                <a16:creationId xmlns:a16="http://schemas.microsoft.com/office/drawing/2014/main" id="{CACB80CF-0F9D-4362-A921-CF5E46EF23CA}"/>
-              </a:ext>
-            </a:extLst>
-          </p:cNvPr>
-          <p:cNvSpPr txBox="1"/>
-          <p:nvPr/>
-        </p:nvSpPr>
-        <p:spPr>
-          <a:xfrm>
-            <a:off x="6295065" y="3732317"/>
-            <a:ext cx="867545" cy="523220"/>
-          </a:xfrm>
-          <a:prstGeom prst="rect">
-            <a:avLst/>
-          </a:prstGeom>
-          <a:noFill/>
-        </p:spPr>
-        <p:txBody>
-          <a:bodyPr wrap="none" rtlCol="0">
-            <a:spAutoFit/>
-          </a:bodyPr>
-          <a:lstStyle/>
-          <a:p>
-            <a:r>
-              <a:rPr lang="en-US" sz="1000" b="1" dirty="0">
-                <a:solidFill>
-                  <a:srgbClr val="00B0F0"/>
-                </a:solidFill>
-                <a:effectLst/>
-              </a:rPr>
-              <a:t>Port: 80, 443</a:t>
-            </a:r>
-          </a:p>
-          <a:p>
-            <a:endParaRPr lang="en-US" dirty="0"/>
           </a:p>
         </p:txBody>
       </p:sp>
     </p:spTree>
     <p:extLst>
       <p:ext uri="{BB962C8B-B14F-4D97-AF65-F5344CB8AC3E}">
-        <p14:creationId xmlns:p14="http://schemas.microsoft.com/office/powerpoint/2010/main" val="1093228857"/>
+        <p14:creationId xmlns:p14="http://schemas.microsoft.com/office/powerpoint/2010/main" val="1108354204"/>
       </p:ext>
     </p:extLst>
   </p:cSld>
@@ -4515,10 +3427,10 @@
       </p:grpSpPr>
       <p:sp>
         <p:nvSpPr>
-          <p:cNvPr id="29" name="Rectangle 28">
-            <a:extLst>
-              <a:ext uri="{FF2B5EF4-FFF2-40B4-BE49-F238E27FC236}">
-                <a16:creationId xmlns:a16="http://schemas.microsoft.com/office/drawing/2014/main" id="{8D5B25EE-8A3D-4874-BF8E-AB6576E128CD}"/>
+          <p:cNvPr id="250" name="Rectangle 249">
+            <a:extLst>
+              <a:ext uri="{FF2B5EF4-FFF2-40B4-BE49-F238E27FC236}">
+                <a16:creationId xmlns:a16="http://schemas.microsoft.com/office/drawing/2014/main" id="{BED16635-C6BA-A349-BF4D-BC12BC7005C9}"/>
               </a:ext>
             </a:extLst>
           </p:cNvPr>
@@ -4527,172 +3439,7 @@
         </p:nvSpPr>
         <p:spPr>
           <a:xfrm>
-            <a:off x="6673151" y="2030859"/>
-            <a:ext cx="2540792" cy="2259633"/>
-          </a:xfrm>
-          <a:prstGeom prst="rect">
-            <a:avLst/>
-          </a:prstGeom>
-          <a:solidFill>
-            <a:schemeClr val="bg2"/>
-          </a:solidFill>
-          <a:ln>
-            <a:solidFill>
-              <a:schemeClr val="bg2"/>
-            </a:solidFill>
-          </a:ln>
-        </p:spPr>
-        <p:style>
-          <a:lnRef idx="2">
-            <a:schemeClr val="accent1">
-              <a:shade val="50000"/>
-            </a:schemeClr>
-          </a:lnRef>
-          <a:fillRef idx="1">
-            <a:schemeClr val="accent1"/>
-          </a:fillRef>
-          <a:effectRef idx="0">
-            <a:schemeClr val="accent1"/>
-          </a:effectRef>
-          <a:fontRef idx="minor">
-            <a:schemeClr val="lt1"/>
-          </a:fontRef>
-        </p:style>
-        <p:txBody>
-          <a:bodyPr rtlCol="0" anchor="ctr"/>
-          <a:lstStyle/>
-          <a:p>
-            <a:pPr algn="ctr"/>
-            <a:endParaRPr lang="en-US" sz="900" dirty="0">
-              <a:solidFill>
-                <a:schemeClr val="bg1"/>
-              </a:solidFill>
-            </a:endParaRPr>
-          </a:p>
-          <a:p>
-            <a:pPr algn="ctr"/>
-            <a:endParaRPr lang="en-US" sz="900" dirty="0">
-              <a:solidFill>
-                <a:schemeClr val="bg1"/>
-              </a:solidFill>
-            </a:endParaRPr>
-          </a:p>
-          <a:p>
-            <a:pPr algn="ctr"/>
-            <a:endParaRPr lang="en-US" sz="900" dirty="0">
-              <a:solidFill>
-                <a:schemeClr val="bg1"/>
-              </a:solidFill>
-            </a:endParaRPr>
-          </a:p>
-          <a:p>
-            <a:pPr algn="ctr"/>
-            <a:endParaRPr lang="en-US" sz="900" dirty="0">
-              <a:solidFill>
-                <a:schemeClr val="bg1"/>
-              </a:solidFill>
-            </a:endParaRPr>
-          </a:p>
-          <a:p>
-            <a:pPr algn="ctr"/>
-            <a:endParaRPr lang="en-US" sz="900" dirty="0">
-              <a:solidFill>
-                <a:schemeClr val="bg1"/>
-              </a:solidFill>
-            </a:endParaRPr>
-          </a:p>
-          <a:p>
-            <a:pPr algn="ctr"/>
-            <a:endParaRPr lang="en-US" sz="900" dirty="0">
-              <a:solidFill>
-                <a:schemeClr val="bg1"/>
-              </a:solidFill>
-            </a:endParaRPr>
-          </a:p>
-          <a:p>
-            <a:pPr algn="ctr"/>
-            <a:endParaRPr lang="en-US" sz="900" dirty="0">
-              <a:solidFill>
-                <a:schemeClr val="bg1"/>
-              </a:solidFill>
-            </a:endParaRPr>
-          </a:p>
-          <a:p>
-            <a:pPr algn="ctr"/>
-            <a:endParaRPr lang="en-US" sz="900" dirty="0">
-              <a:solidFill>
-                <a:schemeClr val="bg1"/>
-              </a:solidFill>
-            </a:endParaRPr>
-          </a:p>
-          <a:p>
-            <a:pPr algn="ctr"/>
-            <a:endParaRPr lang="en-US" sz="900" dirty="0">
-              <a:solidFill>
-                <a:schemeClr val="bg1"/>
-              </a:solidFill>
-            </a:endParaRPr>
-          </a:p>
-          <a:p>
-            <a:pPr algn="ctr"/>
-            <a:endParaRPr lang="en-US" sz="900" dirty="0">
-              <a:solidFill>
-                <a:schemeClr val="bg1"/>
-              </a:solidFill>
-            </a:endParaRPr>
-          </a:p>
-          <a:p>
-            <a:pPr algn="ctr"/>
-            <a:endParaRPr lang="en-US" sz="900" dirty="0">
-              <a:solidFill>
-                <a:schemeClr val="bg1"/>
-              </a:solidFill>
-            </a:endParaRPr>
-          </a:p>
-          <a:p>
-            <a:pPr algn="ctr"/>
-            <a:endParaRPr lang="en-US" sz="900" dirty="0">
-              <a:solidFill>
-                <a:schemeClr val="bg1"/>
-              </a:solidFill>
-            </a:endParaRPr>
-          </a:p>
-          <a:p>
-            <a:pPr algn="ctr"/>
-            <a:endParaRPr lang="en-US" sz="900" dirty="0">
-              <a:solidFill>
-                <a:schemeClr val="bg1"/>
-              </a:solidFill>
-            </a:endParaRPr>
-          </a:p>
-          <a:p>
-            <a:pPr algn="ctr"/>
-            <a:r>
-              <a:rPr lang="en-US" sz="1400" b="1" dirty="0">
-                <a:solidFill>
-                  <a:schemeClr val="bg1"/>
-                </a:solidFill>
-              </a:rPr>
-              <a:t>Azure App Service</a:t>
-            </a:r>
-          </a:p>
-        </p:txBody>
-      </p:sp>
-      <p:sp>
-        <p:nvSpPr>
-          <p:cNvPr id="250" name="Rectangle 249">
-            <a:extLst>
-              <a:ext uri="{FF2B5EF4-FFF2-40B4-BE49-F238E27FC236}">
-                <a16:creationId xmlns:a16="http://schemas.microsoft.com/office/drawing/2014/main" id="{BED16635-C6BA-A349-BF4D-BC12BC7005C9}"/>
-              </a:ext>
-            </a:extLst>
-          </p:cNvPr>
-          <p:cNvSpPr/>
-          <p:nvPr/>
-        </p:nvSpPr>
-        <p:spPr>
-          <a:xfrm>
-            <a:off x="826271" y="1809135"/>
+            <a:off x="4021574" y="1338872"/>
             <a:ext cx="4148852" cy="3299462"/>
           </a:xfrm>
           <a:prstGeom prst="rect">
@@ -4751,7 +3498,7 @@
         </p:nvGrpSpPr>
         <p:grpSpPr>
           <a:xfrm>
-            <a:off x="4194088" y="4690848"/>
+            <a:off x="7389391" y="4220585"/>
             <a:ext cx="1075469" cy="457201"/>
             <a:chOff x="8124046" y="3774182"/>
             <a:chExt cx="1075469" cy="457201"/>
@@ -4846,65 +3593,19 @@
       </p:grpSp>
       <p:sp>
         <p:nvSpPr>
-          <p:cNvPr id="138" name="Title 9">
-            <a:extLst>
-              <a:ext uri="{FF2B5EF4-FFF2-40B4-BE49-F238E27FC236}">
-                <a16:creationId xmlns:a16="http://schemas.microsoft.com/office/drawing/2014/main" id="{1B65E34D-434C-4417-A0C6-B600B420B07A}"/>
-              </a:ext>
-            </a:extLst>
-          </p:cNvPr>
-          <p:cNvSpPr>
-            <a:spLocks noGrp="1"/>
-          </p:cNvSpPr>
-          <p:nvPr>
-            <p:ph type="title"/>
-          </p:nvPr>
+          <p:cNvPr id="253" name="Rectangle 252">
+            <a:extLst>
+              <a:ext uri="{FF2B5EF4-FFF2-40B4-BE49-F238E27FC236}">
+                <a16:creationId xmlns:a16="http://schemas.microsoft.com/office/drawing/2014/main" id="{EC107D2E-4E3E-492F-BF4F-AA947D761171}"/>
+              </a:ext>
+            </a:extLst>
+          </p:cNvPr>
+          <p:cNvSpPr/>
+          <p:nvPr/>
         </p:nvSpPr>
         <p:spPr>
           <a:xfrm>
-            <a:off x="703009" y="346472"/>
-            <a:ext cx="10921834" cy="555304"/>
-          </a:xfrm>
-        </p:spPr>
-        <p:txBody>
-          <a:bodyPr>
-            <a:normAutofit/>
-          </a:bodyPr>
-          <a:lstStyle/>
-          <a:p>
-            <a:r>
-              <a:rPr lang="en-US" sz="2400" dirty="0">
-                <a:solidFill>
-                  <a:srgbClr val="0070C0"/>
-                </a:solidFill>
-                <a:latin typeface="Segoe UI Semibold" panose="020B0702040204020203" pitchFamily="34" charset="0"/>
-                <a:cs typeface="Segoe UI Semibold" panose="020B0702040204020203" pitchFamily="34" charset="0"/>
-              </a:rPr>
-              <a:t>Architecture</a:t>
-            </a:r>
-            <a:endParaRPr lang="en-US" sz="2400" dirty="0">
-              <a:solidFill>
-                <a:srgbClr val="0070C0"/>
-              </a:solidFill>
-            </a:endParaRPr>
-          </a:p>
-        </p:txBody>
-      </p:sp>
-      <p:sp>
-        <p:nvSpPr>
-          <p:cNvPr id="253" name="Rectangle 252">
-            <a:extLst>
-              <a:ext uri="{FF2B5EF4-FFF2-40B4-BE49-F238E27FC236}">
-                <a16:creationId xmlns:a16="http://schemas.microsoft.com/office/drawing/2014/main" id="{EC107D2E-4E3E-492F-BF4F-AA947D761171}"/>
-              </a:ext>
-            </a:extLst>
-          </p:cNvPr>
-          <p:cNvSpPr/>
-          <p:nvPr/>
-        </p:nvSpPr>
-        <p:spPr>
-          <a:xfrm>
-            <a:off x="1678251" y="1976284"/>
+            <a:off x="4873554" y="1506021"/>
             <a:ext cx="2893749" cy="2863927"/>
           </a:xfrm>
           <a:prstGeom prst="rect">
@@ -4965,7 +3666,7 @@
         </p:nvGrpSpPr>
         <p:grpSpPr>
           <a:xfrm>
-            <a:off x="825408" y="1986137"/>
+            <a:off x="4020711" y="1515874"/>
             <a:ext cx="815204" cy="1290193"/>
             <a:chOff x="10831462" y="349497"/>
             <a:chExt cx="815204" cy="1290193"/>
@@ -5214,7 +3915,7 @@
         </p:blipFill>
         <p:spPr>
           <a:xfrm>
-            <a:off x="994944" y="3664814"/>
+            <a:off x="4190247" y="3194551"/>
             <a:ext cx="440399" cy="440399"/>
           </a:xfrm>
           <a:prstGeom prst="rect">
@@ -5250,7 +3951,7 @@
         </p:blipFill>
         <p:spPr>
           <a:xfrm>
-            <a:off x="1009224" y="4236404"/>
+            <a:off x="4204527" y="3766141"/>
             <a:ext cx="461560" cy="461560"/>
           </a:xfrm>
           <a:prstGeom prst="rect">
@@ -5272,7 +3973,7 @@
         </p:nvGrpSpPr>
         <p:grpSpPr>
           <a:xfrm>
-            <a:off x="2842398" y="3286441"/>
+            <a:off x="6037701" y="2816178"/>
             <a:ext cx="731292" cy="761219"/>
             <a:chOff x="4681081" y="1931719"/>
             <a:chExt cx="731292" cy="761219"/>
@@ -5385,7 +4086,7 @@
         </p:nvSpPr>
         <p:spPr>
           <a:xfrm>
-            <a:off x="1776838" y="2469856"/>
+            <a:off x="4972141" y="1999593"/>
             <a:ext cx="2607082" cy="2230566"/>
           </a:xfrm>
           <a:prstGeom prst="rect">
@@ -5446,7 +4147,7 @@
         </p:nvGrpSpPr>
         <p:grpSpPr>
           <a:xfrm>
-            <a:off x="1741400" y="2736753"/>
+            <a:off x="4936703" y="2266490"/>
             <a:ext cx="942031" cy="738405"/>
             <a:chOff x="1718304" y="1337720"/>
             <a:chExt cx="942031" cy="738405"/>
@@ -5548,7 +4249,7 @@
         </p:nvGrpSpPr>
         <p:grpSpPr>
           <a:xfrm>
-            <a:off x="1784455" y="3853504"/>
+            <a:off x="4979758" y="3383241"/>
             <a:ext cx="867636" cy="683209"/>
             <a:chOff x="1951327" y="2005919"/>
             <a:chExt cx="867636" cy="683209"/>
@@ -5647,7 +4348,7 @@
         </p:nvGrpSpPr>
         <p:grpSpPr>
           <a:xfrm>
-            <a:off x="3374165" y="3638793"/>
+            <a:off x="6569468" y="3168530"/>
             <a:ext cx="867636" cy="404901"/>
             <a:chOff x="3640498" y="3514501"/>
             <a:chExt cx="867636" cy="404901"/>
@@ -5720,25 +4421,8 @@
                     </a:schemeClr>
                   </a:solidFill>
                 </a:rPr>
-                <a:t>nginx-</a:t>
+                <a:t>nginx</a:t>
               </a:r>
-              <a:r>
-                <a:rPr lang="en-US" sz="1000" dirty="0" err="1">
-                  <a:solidFill>
-                    <a:schemeClr val="bg2">
-                      <a:lumMod val="50000"/>
-                    </a:schemeClr>
-                  </a:solidFill>
-                </a:rPr>
-                <a:t>api</a:t>
-              </a:r>
-              <a:endParaRPr lang="en-US" sz="1000" dirty="0">
-                <a:solidFill>
-                  <a:schemeClr val="bg2">
-                    <a:lumMod val="50000"/>
-                  </a:schemeClr>
-                </a:solidFill>
-              </a:endParaRPr>
             </a:p>
           </p:txBody>
         </p:sp>
@@ -5757,7 +4441,7 @@
         </p:nvGrpSpPr>
         <p:grpSpPr>
           <a:xfrm>
-            <a:off x="3238062" y="3276330"/>
+            <a:off x="6433365" y="2806067"/>
             <a:ext cx="1175438" cy="404901"/>
             <a:chOff x="3494242" y="3514501"/>
             <a:chExt cx="1175438" cy="404901"/>
@@ -5875,7 +4559,7 @@
         </p:blipFill>
         <p:spPr>
           <a:xfrm>
-            <a:off x="2247799" y="3016893"/>
+            <a:off x="5443102" y="2546630"/>
             <a:ext cx="231224" cy="246221"/>
           </a:xfrm>
           <a:prstGeom prst="rect">
@@ -5897,7 +4581,7 @@
         </p:nvGrpSpPr>
         <p:grpSpPr>
           <a:xfrm>
-            <a:off x="3238062" y="2931254"/>
+            <a:off x="6433365" y="2460991"/>
             <a:ext cx="1100002" cy="395199"/>
             <a:chOff x="3504764" y="3514501"/>
             <a:chExt cx="1100002" cy="395199"/>
@@ -6017,7 +4701,7 @@
         </p:nvSpPr>
         <p:spPr>
           <a:xfrm>
-            <a:off x="1696886" y="2342711"/>
+            <a:off x="4892189" y="1872448"/>
             <a:ext cx="1101826" cy="246221"/>
           </a:xfrm>
           <a:prstGeom prst="rect">
@@ -6061,7 +4745,7 @@
         </p:nvGrpSpPr>
         <p:grpSpPr>
           <a:xfrm>
-            <a:off x="3376278" y="1981021"/>
+            <a:off x="6571581" y="1510758"/>
             <a:ext cx="1218124" cy="419227"/>
             <a:chOff x="5187434" y="2480631"/>
             <a:chExt cx="1218124" cy="419227"/>
@@ -6175,7 +4859,7 @@
         </p:nvGrpSpPr>
         <p:grpSpPr>
           <a:xfrm>
-            <a:off x="826271" y="5273935"/>
+            <a:off x="4021574" y="4803672"/>
             <a:ext cx="4714946" cy="809773"/>
             <a:chOff x="1442729" y="5236769"/>
             <a:chExt cx="4714946" cy="809773"/>
@@ -6647,12 +5331,42 @@
           </p:spPr>
         </p:pic>
       </p:grpSp>
-      <p:sp>
-        <p:nvSpPr>
-          <p:cNvPr id="22" name="Rectangle 21">
-            <a:extLst>
-              <a:ext uri="{FF2B5EF4-FFF2-40B4-BE49-F238E27FC236}">
-                <a16:creationId xmlns:a16="http://schemas.microsoft.com/office/drawing/2014/main" id="{7ADABAC8-AC24-4CD2-9A03-E13E1144E6BE}"/>
+    </p:spTree>
+    <p:extLst>
+      <p:ext uri="{BB962C8B-B14F-4D97-AF65-F5344CB8AC3E}">
+        <p14:creationId xmlns:p14="http://schemas.microsoft.com/office/powerpoint/2010/main" val="81539474"/>
+      </p:ext>
+    </p:extLst>
+  </p:cSld>
+  <p:clrMapOvr>
+    <a:masterClrMapping/>
+  </p:clrMapOvr>
+</p:sld>
+</file>
+
+<file path=ppt/slides/slide3.xml><?xml version="1.0" encoding="utf-8"?>
+<p:sld xmlns:a="http://schemas.openxmlformats.org/drawingml/2006/main" xmlns:r="http://schemas.openxmlformats.org/officeDocument/2006/relationships" xmlns:p="http://schemas.openxmlformats.org/presentationml/2006/main">
+  <p:cSld>
+    <p:spTree>
+      <p:nvGrpSpPr>
+        <p:cNvPr id="1" name=""/>
+        <p:cNvGrpSpPr/>
+        <p:nvPr/>
+      </p:nvGrpSpPr>
+      <p:grpSpPr>
+        <a:xfrm>
+          <a:off x="0" y="0"/>
+          <a:ext cx="0" cy="0"/>
+          <a:chOff x="0" y="0"/>
+          <a:chExt cx="0" cy="0"/>
+        </a:xfrm>
+      </p:grpSpPr>
+      <p:sp>
+        <p:nvSpPr>
+          <p:cNvPr id="29" name="Rectangle 28">
+            <a:extLst>
+              <a:ext uri="{FF2B5EF4-FFF2-40B4-BE49-F238E27FC236}">
+                <a16:creationId xmlns:a16="http://schemas.microsoft.com/office/drawing/2014/main" id="{8D5B25EE-8A3D-4874-BF8E-AB6576E128CD}"/>
               </a:ext>
             </a:extLst>
           </p:cNvPr>
@@ -6661,7 +5375,172 @@
         </p:nvSpPr>
         <p:spPr>
           <a:xfrm>
-            <a:off x="6868891" y="2250468"/>
+            <a:off x="4705014" y="2299183"/>
+            <a:ext cx="2540792" cy="2259633"/>
+          </a:xfrm>
+          <a:prstGeom prst="rect">
+            <a:avLst/>
+          </a:prstGeom>
+          <a:solidFill>
+            <a:schemeClr val="bg2"/>
+          </a:solidFill>
+          <a:ln>
+            <a:solidFill>
+              <a:schemeClr val="bg2"/>
+            </a:solidFill>
+          </a:ln>
+        </p:spPr>
+        <p:style>
+          <a:lnRef idx="2">
+            <a:schemeClr val="accent1">
+              <a:shade val="50000"/>
+            </a:schemeClr>
+          </a:lnRef>
+          <a:fillRef idx="1">
+            <a:schemeClr val="accent1"/>
+          </a:fillRef>
+          <a:effectRef idx="0">
+            <a:schemeClr val="accent1"/>
+          </a:effectRef>
+          <a:fontRef idx="minor">
+            <a:schemeClr val="lt1"/>
+          </a:fontRef>
+        </p:style>
+        <p:txBody>
+          <a:bodyPr rtlCol="0" anchor="ctr"/>
+          <a:lstStyle/>
+          <a:p>
+            <a:pPr algn="ctr"/>
+            <a:endParaRPr lang="en-US" sz="900" dirty="0">
+              <a:solidFill>
+                <a:schemeClr val="bg1"/>
+              </a:solidFill>
+            </a:endParaRPr>
+          </a:p>
+          <a:p>
+            <a:pPr algn="ctr"/>
+            <a:endParaRPr lang="en-US" sz="900" dirty="0">
+              <a:solidFill>
+                <a:schemeClr val="bg1"/>
+              </a:solidFill>
+            </a:endParaRPr>
+          </a:p>
+          <a:p>
+            <a:pPr algn="ctr"/>
+            <a:endParaRPr lang="en-US" sz="900" dirty="0">
+              <a:solidFill>
+                <a:schemeClr val="bg1"/>
+              </a:solidFill>
+            </a:endParaRPr>
+          </a:p>
+          <a:p>
+            <a:pPr algn="ctr"/>
+            <a:endParaRPr lang="en-US" sz="900" dirty="0">
+              <a:solidFill>
+                <a:schemeClr val="bg1"/>
+              </a:solidFill>
+            </a:endParaRPr>
+          </a:p>
+          <a:p>
+            <a:pPr algn="ctr"/>
+            <a:endParaRPr lang="en-US" sz="900" dirty="0">
+              <a:solidFill>
+                <a:schemeClr val="bg1"/>
+              </a:solidFill>
+            </a:endParaRPr>
+          </a:p>
+          <a:p>
+            <a:pPr algn="ctr"/>
+            <a:endParaRPr lang="en-US" sz="900" dirty="0">
+              <a:solidFill>
+                <a:schemeClr val="bg1"/>
+              </a:solidFill>
+            </a:endParaRPr>
+          </a:p>
+          <a:p>
+            <a:pPr algn="ctr"/>
+            <a:endParaRPr lang="en-US" sz="900" dirty="0">
+              <a:solidFill>
+                <a:schemeClr val="bg1"/>
+              </a:solidFill>
+            </a:endParaRPr>
+          </a:p>
+          <a:p>
+            <a:pPr algn="ctr"/>
+            <a:endParaRPr lang="en-US" sz="900" dirty="0">
+              <a:solidFill>
+                <a:schemeClr val="bg1"/>
+              </a:solidFill>
+            </a:endParaRPr>
+          </a:p>
+          <a:p>
+            <a:pPr algn="ctr"/>
+            <a:endParaRPr lang="en-US" sz="900" dirty="0">
+              <a:solidFill>
+                <a:schemeClr val="bg1"/>
+              </a:solidFill>
+            </a:endParaRPr>
+          </a:p>
+          <a:p>
+            <a:pPr algn="ctr"/>
+            <a:endParaRPr lang="en-US" sz="900" dirty="0">
+              <a:solidFill>
+                <a:schemeClr val="bg1"/>
+              </a:solidFill>
+            </a:endParaRPr>
+          </a:p>
+          <a:p>
+            <a:pPr algn="ctr"/>
+            <a:endParaRPr lang="en-US" sz="900" dirty="0">
+              <a:solidFill>
+                <a:schemeClr val="bg1"/>
+              </a:solidFill>
+            </a:endParaRPr>
+          </a:p>
+          <a:p>
+            <a:pPr algn="ctr"/>
+            <a:endParaRPr lang="en-US" sz="900" dirty="0">
+              <a:solidFill>
+                <a:schemeClr val="bg1"/>
+              </a:solidFill>
+            </a:endParaRPr>
+          </a:p>
+          <a:p>
+            <a:pPr algn="ctr"/>
+            <a:endParaRPr lang="en-US" sz="900" dirty="0">
+              <a:solidFill>
+                <a:schemeClr val="bg1"/>
+              </a:solidFill>
+            </a:endParaRPr>
+          </a:p>
+          <a:p>
+            <a:pPr algn="ctr"/>
+            <a:r>
+              <a:rPr lang="en-US" sz="1400" b="1" dirty="0">
+                <a:solidFill>
+                  <a:schemeClr val="bg1"/>
+                </a:solidFill>
+              </a:rPr>
+              <a:t>Azure App Service</a:t>
+            </a:r>
+          </a:p>
+        </p:txBody>
+      </p:sp>
+      <p:sp>
+        <p:nvSpPr>
+          <p:cNvPr id="22" name="Rectangle 21">
+            <a:extLst>
+              <a:ext uri="{FF2B5EF4-FFF2-40B4-BE49-F238E27FC236}">
+                <a16:creationId xmlns:a16="http://schemas.microsoft.com/office/drawing/2014/main" id="{7ADABAC8-AC24-4CD2-9A03-E13E1144E6BE}"/>
+              </a:ext>
+            </a:extLst>
+          </p:cNvPr>
+          <p:cNvSpPr/>
+          <p:nvPr/>
+        </p:nvSpPr>
+        <p:spPr>
+          <a:xfrm>
+            <a:off x="4900754" y="2518792"/>
             <a:ext cx="990980" cy="612861"/>
           </a:xfrm>
           <a:prstGeom prst="rect">
@@ -6741,7 +5620,7 @@
         </p:nvSpPr>
         <p:spPr>
           <a:xfrm>
-            <a:off x="8053678" y="2250468"/>
+            <a:off x="6085541" y="2518792"/>
             <a:ext cx="990980" cy="612861"/>
           </a:xfrm>
           <a:prstGeom prst="rect">
@@ -6821,7 +5700,7 @@
         </p:nvSpPr>
         <p:spPr>
           <a:xfrm>
-            <a:off x="7479530" y="3122560"/>
+            <a:off x="5511393" y="3390884"/>
             <a:ext cx="990980" cy="612861"/>
           </a:xfrm>
           <a:prstGeom prst="rect">
@@ -6861,21 +5740,8 @@
                   <a:schemeClr val="bg1"/>
                 </a:solidFill>
               </a:rPr>
-              <a:t>nginx-</a:t>
-            </a:r>
-            <a:r>
-              <a:rPr lang="en-US" sz="1400" b="1" dirty="0" err="1">
-                <a:solidFill>
-                  <a:schemeClr val="bg1"/>
-                </a:solidFill>
-              </a:rPr>
-              <a:t>api</a:t>
-            </a:r>
-            <a:endParaRPr lang="en-US" sz="1400" b="1" dirty="0">
-              <a:solidFill>
-                <a:schemeClr val="bg1"/>
-              </a:solidFill>
-            </a:endParaRPr>
+              <a:t>nginx</a:t>
+            </a:r>
           </a:p>
         </p:txBody>
       </p:sp>
@@ -6894,14 +5760,14 @@
           <p:nvPr/>
         </p:nvPicPr>
         <p:blipFill>
-          <a:blip r:embed="rId13"/>
+          <a:blip r:embed="rId2"/>
           <a:stretch>
             <a:fillRect/>
           </a:stretch>
         </p:blipFill>
         <p:spPr>
           <a:xfrm>
-            <a:off x="8354898" y="3612310"/>
+            <a:off x="6386761" y="3880634"/>
             <a:ext cx="231224" cy="246221"/>
           </a:xfrm>
           <a:prstGeom prst="rect">
@@ -6924,14 +5790,14 @@
           <p:nvPr/>
         </p:nvPicPr>
         <p:blipFill>
-          <a:blip r:embed="rId13"/>
+          <a:blip r:embed="rId2"/>
           <a:stretch>
             <a:fillRect/>
           </a:stretch>
         </p:blipFill>
         <p:spPr>
           <a:xfrm>
-            <a:off x="8898077" y="2746723"/>
+            <a:off x="6929940" y="3015047"/>
             <a:ext cx="231224" cy="246221"/>
           </a:xfrm>
           <a:prstGeom prst="rect">
@@ -6954,14 +5820,14 @@
           <p:nvPr/>
         </p:nvPicPr>
         <p:blipFill>
-          <a:blip r:embed="rId13"/>
+          <a:blip r:embed="rId2"/>
           <a:stretch>
             <a:fillRect/>
           </a:stretch>
         </p:blipFill>
         <p:spPr>
           <a:xfrm>
-            <a:off x="7737811" y="2673201"/>
+            <a:off x="5769674" y="2941525"/>
             <a:ext cx="231224" cy="246221"/>
           </a:xfrm>
           <a:prstGeom prst="rect">
@@ -6972,7 +5838,1185 @@
     </p:spTree>
     <p:extLst>
       <p:ext uri="{BB962C8B-B14F-4D97-AF65-F5344CB8AC3E}">
-        <p14:creationId xmlns:p14="http://schemas.microsoft.com/office/powerpoint/2010/main" val="264014929"/>
+        <p14:creationId xmlns:p14="http://schemas.microsoft.com/office/powerpoint/2010/main" val="1645132298"/>
+      </p:ext>
+    </p:extLst>
+  </p:cSld>
+  <p:clrMapOvr>
+    <a:masterClrMapping/>
+  </p:clrMapOvr>
+</p:sld>
+</file>
+
+<file path=ppt/slides/slide4.xml><?xml version="1.0" encoding="utf-8"?>
+<p:sld xmlns:a="http://schemas.openxmlformats.org/drawingml/2006/main" xmlns:r="http://schemas.openxmlformats.org/officeDocument/2006/relationships" xmlns:p="http://schemas.openxmlformats.org/presentationml/2006/main">
+  <p:cSld>
+    <p:spTree>
+      <p:nvGrpSpPr>
+        <p:cNvPr id="1" name=""/>
+        <p:cNvGrpSpPr/>
+        <p:nvPr/>
+      </p:nvGrpSpPr>
+      <p:grpSpPr>
+        <a:xfrm>
+          <a:off x="0" y="0"/>
+          <a:ext cx="0" cy="0"/>
+          <a:chOff x="0" y="0"/>
+          <a:chExt cx="0" cy="0"/>
+        </a:xfrm>
+      </p:grpSpPr>
+      <p:sp>
+        <p:nvSpPr>
+          <p:cNvPr id="5" name="Rectangle 4">
+            <a:extLst>
+              <a:ext uri="{FF2B5EF4-FFF2-40B4-BE49-F238E27FC236}">
+                <a16:creationId xmlns:a16="http://schemas.microsoft.com/office/drawing/2014/main" id="{24CD2AC2-0808-4DC2-BC9C-620A72DF7169}"/>
+              </a:ext>
+            </a:extLst>
+          </p:cNvPr>
+          <p:cNvSpPr/>
+          <p:nvPr/>
+        </p:nvSpPr>
+        <p:spPr>
+          <a:xfrm>
+            <a:off x="3566301" y="986035"/>
+            <a:ext cx="3993014" cy="3130286"/>
+          </a:xfrm>
+          <a:prstGeom prst="rect">
+            <a:avLst/>
+          </a:prstGeom>
+          <a:solidFill>
+            <a:schemeClr val="bg2"/>
+          </a:solidFill>
+          <a:ln>
+            <a:solidFill>
+              <a:schemeClr val="bg2"/>
+            </a:solidFill>
+          </a:ln>
+        </p:spPr>
+        <p:style>
+          <a:lnRef idx="2">
+            <a:schemeClr val="accent1">
+              <a:shade val="50000"/>
+            </a:schemeClr>
+          </a:lnRef>
+          <a:fillRef idx="1">
+            <a:schemeClr val="accent1"/>
+          </a:fillRef>
+          <a:effectRef idx="0">
+            <a:schemeClr val="accent1"/>
+          </a:effectRef>
+          <a:fontRef idx="minor">
+            <a:schemeClr val="lt1"/>
+          </a:fontRef>
+        </p:style>
+        <p:txBody>
+          <a:bodyPr rtlCol="0" anchor="ctr"/>
+          <a:lstStyle/>
+          <a:p>
+            <a:pPr algn="ctr"/>
+            <a:endParaRPr lang="en-US" sz="900" dirty="0">
+              <a:solidFill>
+                <a:schemeClr val="bg1"/>
+              </a:solidFill>
+            </a:endParaRPr>
+          </a:p>
+          <a:p>
+            <a:pPr algn="ctr"/>
+            <a:endParaRPr lang="en-US" sz="900" dirty="0">
+              <a:solidFill>
+                <a:schemeClr val="bg1"/>
+              </a:solidFill>
+            </a:endParaRPr>
+          </a:p>
+          <a:p>
+            <a:pPr algn="ctr"/>
+            <a:endParaRPr lang="en-US" sz="900" dirty="0">
+              <a:solidFill>
+                <a:schemeClr val="bg1"/>
+              </a:solidFill>
+            </a:endParaRPr>
+          </a:p>
+          <a:p>
+            <a:pPr algn="ctr"/>
+            <a:endParaRPr lang="en-US" sz="900" dirty="0">
+              <a:solidFill>
+                <a:schemeClr val="bg1"/>
+              </a:solidFill>
+            </a:endParaRPr>
+          </a:p>
+          <a:p>
+            <a:pPr algn="ctr"/>
+            <a:endParaRPr lang="en-US" sz="900" dirty="0">
+              <a:solidFill>
+                <a:schemeClr val="bg1"/>
+              </a:solidFill>
+            </a:endParaRPr>
+          </a:p>
+          <a:p>
+            <a:pPr algn="ctr"/>
+            <a:endParaRPr lang="en-US" sz="900" dirty="0">
+              <a:solidFill>
+                <a:schemeClr val="bg1"/>
+              </a:solidFill>
+            </a:endParaRPr>
+          </a:p>
+          <a:p>
+            <a:pPr algn="ctr"/>
+            <a:endParaRPr lang="en-US" sz="900" dirty="0">
+              <a:solidFill>
+                <a:schemeClr val="bg1"/>
+              </a:solidFill>
+            </a:endParaRPr>
+          </a:p>
+          <a:p>
+            <a:pPr algn="ctr"/>
+            <a:endParaRPr lang="en-US" sz="900" dirty="0">
+              <a:solidFill>
+                <a:schemeClr val="bg1"/>
+              </a:solidFill>
+            </a:endParaRPr>
+          </a:p>
+          <a:p>
+            <a:pPr algn="ctr"/>
+            <a:endParaRPr lang="en-US" sz="900" dirty="0">
+              <a:solidFill>
+                <a:schemeClr val="bg1"/>
+              </a:solidFill>
+            </a:endParaRPr>
+          </a:p>
+          <a:p>
+            <a:pPr algn="ctr"/>
+            <a:endParaRPr lang="en-US" sz="900" dirty="0">
+              <a:solidFill>
+                <a:schemeClr val="bg1"/>
+              </a:solidFill>
+            </a:endParaRPr>
+          </a:p>
+          <a:p>
+            <a:pPr algn="ctr"/>
+            <a:endParaRPr lang="en-US" sz="900" dirty="0">
+              <a:solidFill>
+                <a:schemeClr val="bg1"/>
+              </a:solidFill>
+            </a:endParaRPr>
+          </a:p>
+          <a:p>
+            <a:pPr algn="ctr"/>
+            <a:endParaRPr lang="en-US" sz="900" dirty="0">
+              <a:solidFill>
+                <a:schemeClr val="bg1"/>
+              </a:solidFill>
+            </a:endParaRPr>
+          </a:p>
+          <a:p>
+            <a:pPr algn="ctr"/>
+            <a:endParaRPr lang="en-US" sz="900" dirty="0">
+              <a:solidFill>
+                <a:schemeClr val="bg1"/>
+              </a:solidFill>
+            </a:endParaRPr>
+          </a:p>
+          <a:p>
+            <a:pPr algn="ctr"/>
+            <a:endParaRPr lang="en-US" sz="900" dirty="0">
+              <a:solidFill>
+                <a:schemeClr val="bg1"/>
+              </a:solidFill>
+            </a:endParaRPr>
+          </a:p>
+          <a:p>
+            <a:pPr algn="ctr"/>
+            <a:endParaRPr lang="en-US" sz="900" dirty="0">
+              <a:solidFill>
+                <a:schemeClr val="bg1"/>
+              </a:solidFill>
+            </a:endParaRPr>
+          </a:p>
+          <a:p>
+            <a:pPr algn="ctr"/>
+            <a:endParaRPr lang="en-US" sz="900" dirty="0">
+              <a:solidFill>
+                <a:schemeClr val="bg1"/>
+              </a:solidFill>
+            </a:endParaRPr>
+          </a:p>
+          <a:p>
+            <a:pPr algn="ctr"/>
+            <a:endParaRPr lang="en-US" sz="900" dirty="0">
+              <a:solidFill>
+                <a:schemeClr val="bg1"/>
+              </a:solidFill>
+            </a:endParaRPr>
+          </a:p>
+          <a:p>
+            <a:pPr algn="ctr"/>
+            <a:endParaRPr lang="en-US" sz="900" dirty="0">
+              <a:solidFill>
+                <a:schemeClr val="bg1"/>
+              </a:solidFill>
+            </a:endParaRPr>
+          </a:p>
+          <a:p>
+            <a:pPr algn="ctr"/>
+            <a:endParaRPr lang="en-US" sz="900" dirty="0">
+              <a:solidFill>
+                <a:schemeClr val="bg1"/>
+              </a:solidFill>
+            </a:endParaRPr>
+          </a:p>
+          <a:p>
+            <a:pPr algn="ctr"/>
+            <a:r>
+              <a:rPr lang="en-US" sz="1400" b="1" dirty="0">
+                <a:solidFill>
+                  <a:schemeClr val="bg1"/>
+                </a:solidFill>
+              </a:rPr>
+              <a:t>Azure App Service</a:t>
+            </a:r>
+          </a:p>
+        </p:txBody>
+      </p:sp>
+      <p:sp>
+        <p:nvSpPr>
+          <p:cNvPr id="7" name="Rectangle 6">
+            <a:extLst>
+              <a:ext uri="{FF2B5EF4-FFF2-40B4-BE49-F238E27FC236}">
+                <a16:creationId xmlns:a16="http://schemas.microsoft.com/office/drawing/2014/main" id="{26BF7021-DCDD-4C43-BADD-CB9FD32784E7}"/>
+              </a:ext>
+            </a:extLst>
+          </p:cNvPr>
+          <p:cNvSpPr/>
+          <p:nvPr/>
+        </p:nvSpPr>
+        <p:spPr>
+          <a:xfrm>
+            <a:off x="4054056" y="1437199"/>
+            <a:ext cx="990980" cy="612861"/>
+          </a:xfrm>
+          <a:prstGeom prst="rect">
+            <a:avLst/>
+          </a:prstGeom>
+          <a:solidFill>
+            <a:srgbClr val="00B0F0"/>
+          </a:solidFill>
+          <a:ln>
+            <a:noFill/>
+          </a:ln>
+        </p:spPr>
+        <p:style>
+          <a:lnRef idx="2">
+            <a:schemeClr val="accent1">
+              <a:shade val="50000"/>
+            </a:schemeClr>
+          </a:lnRef>
+          <a:fillRef idx="1">
+            <a:schemeClr val="accent1"/>
+          </a:fillRef>
+          <a:effectRef idx="0">
+            <a:schemeClr val="accent1"/>
+          </a:effectRef>
+          <a:fontRef idx="minor">
+            <a:schemeClr val="lt1"/>
+          </a:fontRef>
+        </p:style>
+        <p:txBody>
+          <a:bodyPr rtlCol="0" anchor="ctr"/>
+          <a:lstStyle/>
+          <a:p>
+            <a:pPr algn="ctr"/>
+            <a:r>
+              <a:rPr lang="en-US" sz="1400" b="1" dirty="0" err="1">
+                <a:solidFill>
+                  <a:schemeClr val="bg1"/>
+                </a:solidFill>
+              </a:rPr>
+              <a:t>fastapi</a:t>
+            </a:r>
+            <a:r>
+              <a:rPr lang="en-US" sz="1400" b="1" dirty="0">
+                <a:solidFill>
+                  <a:schemeClr val="bg1"/>
+                </a:solidFill>
+              </a:rPr>
+              <a:t>-rest-</a:t>
+            </a:r>
+            <a:r>
+              <a:rPr lang="en-US" sz="1400" b="1" dirty="0" err="1">
+                <a:solidFill>
+                  <a:schemeClr val="bg1"/>
+                </a:solidFill>
+              </a:rPr>
+              <a:t>api</a:t>
+            </a:r>
+            <a:endParaRPr lang="en-US" sz="1400" b="1" dirty="0">
+              <a:solidFill>
+                <a:schemeClr val="bg1"/>
+              </a:solidFill>
+            </a:endParaRPr>
+          </a:p>
+        </p:txBody>
+      </p:sp>
+      <p:sp>
+        <p:nvSpPr>
+          <p:cNvPr id="9" name="Rectangle 8">
+            <a:extLst>
+              <a:ext uri="{FF2B5EF4-FFF2-40B4-BE49-F238E27FC236}">
+                <a16:creationId xmlns:a16="http://schemas.microsoft.com/office/drawing/2014/main" id="{28CB9EAA-4D6A-4AC5-A58C-45793A49979C}"/>
+              </a:ext>
+            </a:extLst>
+          </p:cNvPr>
+          <p:cNvSpPr/>
+          <p:nvPr/>
+        </p:nvSpPr>
+        <p:spPr>
+          <a:xfrm>
+            <a:off x="6204780" y="1437199"/>
+            <a:ext cx="990980" cy="612861"/>
+          </a:xfrm>
+          <a:prstGeom prst="rect">
+            <a:avLst/>
+          </a:prstGeom>
+          <a:solidFill>
+            <a:srgbClr val="00B0F0"/>
+          </a:solidFill>
+          <a:ln>
+            <a:noFill/>
+          </a:ln>
+        </p:spPr>
+        <p:style>
+          <a:lnRef idx="2">
+            <a:schemeClr val="accent1">
+              <a:shade val="50000"/>
+            </a:schemeClr>
+          </a:lnRef>
+          <a:fillRef idx="1">
+            <a:schemeClr val="accent1"/>
+          </a:fillRef>
+          <a:effectRef idx="0">
+            <a:schemeClr val="accent1"/>
+          </a:effectRef>
+          <a:fontRef idx="minor">
+            <a:schemeClr val="lt1"/>
+          </a:fontRef>
+        </p:style>
+        <p:txBody>
+          <a:bodyPr rtlCol="0" anchor="ctr"/>
+          <a:lstStyle/>
+          <a:p>
+            <a:pPr algn="ctr"/>
+            <a:r>
+              <a:rPr lang="en-US" sz="1400" b="1" dirty="0">
+                <a:solidFill>
+                  <a:schemeClr val="bg1"/>
+                </a:solidFill>
+              </a:rPr>
+              <a:t>flask-rest-</a:t>
+            </a:r>
+            <a:r>
+              <a:rPr lang="en-US" sz="1400" b="1" dirty="0" err="1">
+                <a:solidFill>
+                  <a:schemeClr val="bg1"/>
+                </a:solidFill>
+              </a:rPr>
+              <a:t>api</a:t>
+            </a:r>
+            <a:endParaRPr lang="en-US" sz="1400" b="1" dirty="0">
+              <a:solidFill>
+                <a:schemeClr val="bg1"/>
+              </a:solidFill>
+            </a:endParaRPr>
+          </a:p>
+        </p:txBody>
+      </p:sp>
+      <p:sp>
+        <p:nvSpPr>
+          <p:cNvPr id="11" name="Rectangle 10">
+            <a:extLst>
+              <a:ext uri="{FF2B5EF4-FFF2-40B4-BE49-F238E27FC236}">
+                <a16:creationId xmlns:a16="http://schemas.microsoft.com/office/drawing/2014/main" id="{ED3D2712-6B14-471E-91EA-F8A72C436A40}"/>
+              </a:ext>
+            </a:extLst>
+          </p:cNvPr>
+          <p:cNvSpPr/>
+          <p:nvPr/>
+        </p:nvSpPr>
+        <p:spPr>
+          <a:xfrm>
+            <a:off x="5098188" y="2980050"/>
+            <a:ext cx="990980" cy="612861"/>
+          </a:xfrm>
+          <a:prstGeom prst="rect">
+            <a:avLst/>
+          </a:prstGeom>
+          <a:solidFill>
+            <a:srgbClr val="00B0F0"/>
+          </a:solidFill>
+          <a:ln>
+            <a:noFill/>
+          </a:ln>
+        </p:spPr>
+        <p:style>
+          <a:lnRef idx="2">
+            <a:schemeClr val="accent1">
+              <a:shade val="50000"/>
+            </a:schemeClr>
+          </a:lnRef>
+          <a:fillRef idx="1">
+            <a:schemeClr val="accent1"/>
+          </a:fillRef>
+          <a:effectRef idx="0">
+            <a:schemeClr val="accent1"/>
+          </a:effectRef>
+          <a:fontRef idx="minor">
+            <a:schemeClr val="lt1"/>
+          </a:fontRef>
+        </p:style>
+        <p:txBody>
+          <a:bodyPr rtlCol="0" anchor="ctr"/>
+          <a:lstStyle/>
+          <a:p>
+            <a:pPr algn="ctr"/>
+            <a:r>
+              <a:rPr lang="en-US" sz="1400" b="1" dirty="0">
+                <a:solidFill>
+                  <a:schemeClr val="bg1"/>
+                </a:solidFill>
+              </a:rPr>
+              <a:t>nginx</a:t>
+            </a:r>
+          </a:p>
+        </p:txBody>
+      </p:sp>
+      <p:pic>
+        <p:nvPicPr>
+          <p:cNvPr id="13" name="Picture 12" descr="Shape, icon&#10;&#10;Description automatically generated">
+            <a:extLst>
+              <a:ext uri="{FF2B5EF4-FFF2-40B4-BE49-F238E27FC236}">
+                <a16:creationId xmlns:a16="http://schemas.microsoft.com/office/drawing/2014/main" id="{342417B9-B3AF-46D8-9A3C-293152D1F7BD}"/>
+              </a:ext>
+            </a:extLst>
+          </p:cNvPr>
+          <p:cNvPicPr>
+            <a:picLocks noChangeAspect="1"/>
+          </p:cNvPicPr>
+          <p:nvPr/>
+        </p:nvPicPr>
+        <p:blipFill>
+          <a:blip r:embed="rId2"/>
+          <a:stretch>
+            <a:fillRect/>
+          </a:stretch>
+        </p:blipFill>
+        <p:spPr>
+          <a:xfrm>
+            <a:off x="5973556" y="3469800"/>
+            <a:ext cx="231224" cy="246221"/>
+          </a:xfrm>
+          <a:prstGeom prst="rect">
+            <a:avLst/>
+          </a:prstGeom>
+        </p:spPr>
+      </p:pic>
+      <p:pic>
+        <p:nvPicPr>
+          <p:cNvPr id="15" name="Picture 14" descr="Shape, icon&#10;&#10;Description automatically generated">
+            <a:extLst>
+              <a:ext uri="{FF2B5EF4-FFF2-40B4-BE49-F238E27FC236}">
+                <a16:creationId xmlns:a16="http://schemas.microsoft.com/office/drawing/2014/main" id="{35F6D9EB-E05C-4ED6-8C7C-5C0C42C53EE7}"/>
+              </a:ext>
+            </a:extLst>
+          </p:cNvPr>
+          <p:cNvPicPr>
+            <a:picLocks noChangeAspect="1"/>
+          </p:cNvPicPr>
+          <p:nvPr/>
+        </p:nvPicPr>
+        <p:blipFill>
+          <a:blip r:embed="rId2"/>
+          <a:stretch>
+            <a:fillRect/>
+          </a:stretch>
+        </p:blipFill>
+        <p:spPr>
+          <a:xfrm>
+            <a:off x="7049179" y="1933454"/>
+            <a:ext cx="231224" cy="246221"/>
+          </a:xfrm>
+          <a:prstGeom prst="rect">
+            <a:avLst/>
+          </a:prstGeom>
+        </p:spPr>
+      </p:pic>
+      <p:pic>
+        <p:nvPicPr>
+          <p:cNvPr id="17" name="Picture 16" descr="Shape, icon&#10;&#10;Description automatically generated">
+            <a:extLst>
+              <a:ext uri="{FF2B5EF4-FFF2-40B4-BE49-F238E27FC236}">
+                <a16:creationId xmlns:a16="http://schemas.microsoft.com/office/drawing/2014/main" id="{B4617522-EF48-4EA5-9DDF-09BDFBA036D4}"/>
+              </a:ext>
+            </a:extLst>
+          </p:cNvPr>
+          <p:cNvPicPr>
+            <a:picLocks noChangeAspect="1"/>
+          </p:cNvPicPr>
+          <p:nvPr/>
+        </p:nvPicPr>
+        <p:blipFill>
+          <a:blip r:embed="rId2"/>
+          <a:stretch>
+            <a:fillRect/>
+          </a:stretch>
+        </p:blipFill>
+        <p:spPr>
+          <a:xfrm>
+            <a:off x="4922976" y="1859932"/>
+            <a:ext cx="231224" cy="246221"/>
+          </a:xfrm>
+          <a:prstGeom prst="rect">
+            <a:avLst/>
+          </a:prstGeom>
+        </p:spPr>
+      </p:pic>
+      <p:sp>
+        <p:nvSpPr>
+          <p:cNvPr id="18" name="TextBox 17">
+            <a:extLst>
+              <a:ext uri="{FF2B5EF4-FFF2-40B4-BE49-F238E27FC236}">
+                <a16:creationId xmlns:a16="http://schemas.microsoft.com/office/drawing/2014/main" id="{3A5F0969-91F3-4FD8-ABF8-77E16BB64F7B}"/>
+              </a:ext>
+            </a:extLst>
+          </p:cNvPr>
+          <p:cNvSpPr txBox="1"/>
+          <p:nvPr/>
+        </p:nvSpPr>
+        <p:spPr>
+          <a:xfrm>
+            <a:off x="3337032" y="5350282"/>
+            <a:ext cx="5273047" cy="738664"/>
+          </a:xfrm>
+          <a:prstGeom prst="rect">
+            <a:avLst/>
+          </a:prstGeom>
+          <a:noFill/>
+        </p:spPr>
+        <p:txBody>
+          <a:bodyPr wrap="none" rtlCol="0">
+            <a:spAutoFit/>
+          </a:bodyPr>
+          <a:lstStyle/>
+          <a:p>
+            <a:r>
+              <a:rPr lang="en-US" sz="1200" b="1" dirty="0">
+                <a:solidFill>
+                  <a:srgbClr val="00B0F0"/>
+                </a:solidFill>
+              </a:rPr>
+              <a:t>Flask url: https://&lt;webappName&gt;.</a:t>
+            </a:r>
+            <a:r>
+              <a:rPr lang="en-US" sz="1200" b="1" dirty="0">
+                <a:solidFill>
+                  <a:srgbClr val="00B0F0"/>
+                </a:solidFill>
+                <a:effectLst/>
+              </a:rPr>
+              <a:t>azurewebsites.net/flask-rest-api/version</a:t>
+            </a:r>
+          </a:p>
+          <a:p>
+            <a:r>
+              <a:rPr lang="en-US" sz="1200" b="1" dirty="0" err="1">
+                <a:solidFill>
+                  <a:srgbClr val="00B0F0"/>
+                </a:solidFill>
+              </a:rPr>
+              <a:t>Fastapi</a:t>
+            </a:r>
+            <a:r>
+              <a:rPr lang="en-US" sz="1200" b="1" dirty="0">
+                <a:solidFill>
+                  <a:srgbClr val="00B0F0"/>
+                </a:solidFill>
+              </a:rPr>
+              <a:t> url: https://&lt;webappName&gt;.</a:t>
+            </a:r>
+            <a:r>
+              <a:rPr lang="en-US" sz="1200" b="1" dirty="0">
+                <a:solidFill>
+                  <a:srgbClr val="00B0F0"/>
+                </a:solidFill>
+                <a:effectLst/>
+              </a:rPr>
+              <a:t>azurewebsites.net/fastapi-rest-api/version</a:t>
+            </a:r>
+          </a:p>
+          <a:p>
+            <a:endParaRPr lang="en-US" dirty="0"/>
+          </a:p>
+        </p:txBody>
+      </p:sp>
+      <p:sp>
+        <p:nvSpPr>
+          <p:cNvPr id="19" name="Freeform: Shape 18">
+            <a:extLst>
+              <a:ext uri="{FF2B5EF4-FFF2-40B4-BE49-F238E27FC236}">
+                <a16:creationId xmlns:a16="http://schemas.microsoft.com/office/drawing/2014/main" id="{2550AFB1-E48E-443C-99CC-CEE4226D9791}"/>
+              </a:ext>
+            </a:extLst>
+          </p:cNvPr>
+          <p:cNvSpPr/>
+          <p:nvPr/>
+        </p:nvSpPr>
+        <p:spPr>
+          <a:xfrm>
+            <a:off x="5699901" y="2093978"/>
+            <a:ext cx="1134106" cy="914400"/>
+          </a:xfrm>
+          <a:custGeom>
+            <a:avLst/>
+            <a:gdLst>
+              <a:gd name="connsiteX0" fmla="*/ 0 w 1134106"/>
+              <a:gd name="connsiteY0" fmla="*/ 914400 h 914400"/>
+              <a:gd name="connsiteX1" fmla="*/ 275303 w 1134106"/>
+              <a:gd name="connsiteY1" fmla="*/ 393290 h 914400"/>
+              <a:gd name="connsiteX2" fmla="*/ 1042219 w 1134106"/>
+              <a:gd name="connsiteY2" fmla="*/ 353961 h 914400"/>
+              <a:gd name="connsiteX3" fmla="*/ 1091381 w 1134106"/>
+              <a:gd name="connsiteY3" fmla="*/ 0 h 914400"/>
+            </a:gdLst>
+            <a:ahLst/>
+            <a:cxnLst>
+              <a:cxn ang="0">
+                <a:pos x="connsiteX0" y="connsiteY0"/>
+              </a:cxn>
+              <a:cxn ang="0">
+                <a:pos x="connsiteX1" y="connsiteY1"/>
+              </a:cxn>
+              <a:cxn ang="0">
+                <a:pos x="connsiteX2" y="connsiteY2"/>
+              </a:cxn>
+              <a:cxn ang="0">
+                <a:pos x="connsiteX3" y="connsiteY3"/>
+              </a:cxn>
+            </a:cxnLst>
+            <a:rect l="l" t="t" r="r" b="b"/>
+            <a:pathLst>
+              <a:path w="1134106" h="914400">
+                <a:moveTo>
+                  <a:pt x="0" y="914400"/>
+                </a:moveTo>
+                <a:cubicBezTo>
+                  <a:pt x="50800" y="700548"/>
+                  <a:pt x="101600" y="486696"/>
+                  <a:pt x="275303" y="393290"/>
+                </a:cubicBezTo>
+                <a:cubicBezTo>
+                  <a:pt x="449006" y="299883"/>
+                  <a:pt x="906206" y="419509"/>
+                  <a:pt x="1042219" y="353961"/>
+                </a:cubicBezTo>
+                <a:cubicBezTo>
+                  <a:pt x="1178232" y="288413"/>
+                  <a:pt x="1134806" y="144206"/>
+                  <a:pt x="1091381" y="0"/>
+                </a:cubicBezTo>
+              </a:path>
+            </a:pathLst>
+          </a:custGeom>
+          <a:noFill/>
+          <a:ln w="31750">
+            <a:solidFill>
+              <a:srgbClr val="00B0F0"/>
+            </a:solidFill>
+            <a:tailEnd type="triangle"/>
+          </a:ln>
+        </p:spPr>
+        <p:style>
+          <a:lnRef idx="2">
+            <a:schemeClr val="accent1">
+              <a:shade val="50000"/>
+            </a:schemeClr>
+          </a:lnRef>
+          <a:fillRef idx="1">
+            <a:schemeClr val="accent1"/>
+          </a:fillRef>
+          <a:effectRef idx="0">
+            <a:schemeClr val="accent1"/>
+          </a:effectRef>
+          <a:fontRef idx="minor">
+            <a:schemeClr val="lt1"/>
+          </a:fontRef>
+        </p:style>
+        <p:txBody>
+          <a:bodyPr rtlCol="0" anchor="ctr"/>
+          <a:lstStyle/>
+          <a:p>
+            <a:pPr algn="ctr"/>
+            <a:endParaRPr lang="en-US"/>
+          </a:p>
+        </p:txBody>
+      </p:sp>
+      <p:sp>
+        <p:nvSpPr>
+          <p:cNvPr id="21" name="Freeform: Shape 20">
+            <a:extLst>
+              <a:ext uri="{FF2B5EF4-FFF2-40B4-BE49-F238E27FC236}">
+                <a16:creationId xmlns:a16="http://schemas.microsoft.com/office/drawing/2014/main" id="{28641C4D-6DB9-48E2-B318-5D1A7483F5BE}"/>
+              </a:ext>
+            </a:extLst>
+          </p:cNvPr>
+          <p:cNvSpPr/>
+          <p:nvPr/>
+        </p:nvSpPr>
+        <p:spPr>
+          <a:xfrm flipH="1">
+            <a:off x="4350623" y="2077624"/>
+            <a:ext cx="1134106" cy="914400"/>
+          </a:xfrm>
+          <a:custGeom>
+            <a:avLst/>
+            <a:gdLst>
+              <a:gd name="connsiteX0" fmla="*/ 0 w 1134106"/>
+              <a:gd name="connsiteY0" fmla="*/ 914400 h 914400"/>
+              <a:gd name="connsiteX1" fmla="*/ 275303 w 1134106"/>
+              <a:gd name="connsiteY1" fmla="*/ 393290 h 914400"/>
+              <a:gd name="connsiteX2" fmla="*/ 1042219 w 1134106"/>
+              <a:gd name="connsiteY2" fmla="*/ 353961 h 914400"/>
+              <a:gd name="connsiteX3" fmla="*/ 1091381 w 1134106"/>
+              <a:gd name="connsiteY3" fmla="*/ 0 h 914400"/>
+            </a:gdLst>
+            <a:ahLst/>
+            <a:cxnLst>
+              <a:cxn ang="0">
+                <a:pos x="connsiteX0" y="connsiteY0"/>
+              </a:cxn>
+              <a:cxn ang="0">
+                <a:pos x="connsiteX1" y="connsiteY1"/>
+              </a:cxn>
+              <a:cxn ang="0">
+                <a:pos x="connsiteX2" y="connsiteY2"/>
+              </a:cxn>
+              <a:cxn ang="0">
+                <a:pos x="connsiteX3" y="connsiteY3"/>
+              </a:cxn>
+            </a:cxnLst>
+            <a:rect l="l" t="t" r="r" b="b"/>
+            <a:pathLst>
+              <a:path w="1134106" h="914400">
+                <a:moveTo>
+                  <a:pt x="0" y="914400"/>
+                </a:moveTo>
+                <a:cubicBezTo>
+                  <a:pt x="50800" y="700548"/>
+                  <a:pt x="101600" y="486696"/>
+                  <a:pt x="275303" y="393290"/>
+                </a:cubicBezTo>
+                <a:cubicBezTo>
+                  <a:pt x="449006" y="299883"/>
+                  <a:pt x="906206" y="419509"/>
+                  <a:pt x="1042219" y="353961"/>
+                </a:cubicBezTo>
+                <a:cubicBezTo>
+                  <a:pt x="1178232" y="288413"/>
+                  <a:pt x="1134806" y="144206"/>
+                  <a:pt x="1091381" y="0"/>
+                </a:cubicBezTo>
+              </a:path>
+            </a:pathLst>
+          </a:custGeom>
+          <a:noFill/>
+          <a:ln w="31750">
+            <a:solidFill>
+              <a:srgbClr val="00B0F0"/>
+            </a:solidFill>
+            <a:tailEnd type="triangle"/>
+          </a:ln>
+        </p:spPr>
+        <p:style>
+          <a:lnRef idx="2">
+            <a:schemeClr val="accent1">
+              <a:shade val="50000"/>
+            </a:schemeClr>
+          </a:lnRef>
+          <a:fillRef idx="1">
+            <a:schemeClr val="accent1"/>
+          </a:fillRef>
+          <a:effectRef idx="0">
+            <a:schemeClr val="accent1"/>
+          </a:effectRef>
+          <a:fontRef idx="minor">
+            <a:schemeClr val="lt1"/>
+          </a:fontRef>
+        </p:style>
+        <p:txBody>
+          <a:bodyPr rtlCol="0" anchor="ctr"/>
+          <a:lstStyle/>
+          <a:p>
+            <a:pPr algn="ctr"/>
+            <a:endParaRPr lang="en-US" dirty="0"/>
+          </a:p>
+        </p:txBody>
+      </p:sp>
+      <p:sp>
+        <p:nvSpPr>
+          <p:cNvPr id="23" name="TextBox 22">
+            <a:extLst>
+              <a:ext uri="{FF2B5EF4-FFF2-40B4-BE49-F238E27FC236}">
+                <a16:creationId xmlns:a16="http://schemas.microsoft.com/office/drawing/2014/main" id="{F81595DB-7F60-456F-BC18-CC17A9EEF9C4}"/>
+              </a:ext>
+            </a:extLst>
+          </p:cNvPr>
+          <p:cNvSpPr txBox="1"/>
+          <p:nvPr/>
+        </p:nvSpPr>
+        <p:spPr>
+          <a:xfrm>
+            <a:off x="6028617" y="2546315"/>
+            <a:ext cx="1199816" cy="584775"/>
+          </a:xfrm>
+          <a:prstGeom prst="rect">
+            <a:avLst/>
+          </a:prstGeom>
+          <a:noFill/>
+        </p:spPr>
+        <p:txBody>
+          <a:bodyPr wrap="none" rtlCol="0">
+            <a:spAutoFit/>
+          </a:bodyPr>
+          <a:lstStyle/>
+          <a:p>
+            <a:r>
+              <a:rPr lang="en-US" sz="1400" b="0" dirty="0">
+                <a:solidFill>
+                  <a:srgbClr val="00B0F0"/>
+                </a:solidFill>
+                <a:effectLst/>
+              </a:rPr>
+              <a:t>/flask-rest-</a:t>
+            </a:r>
+            <a:r>
+              <a:rPr lang="en-US" sz="1400" b="0" dirty="0" err="1">
+                <a:solidFill>
+                  <a:srgbClr val="00B0F0"/>
+                </a:solidFill>
+                <a:effectLst/>
+              </a:rPr>
+              <a:t>api</a:t>
+            </a:r>
+            <a:endParaRPr lang="en-US" sz="1400" b="0" dirty="0">
+              <a:solidFill>
+                <a:srgbClr val="00B0F0"/>
+              </a:solidFill>
+              <a:effectLst/>
+            </a:endParaRPr>
+          </a:p>
+          <a:p>
+            <a:endParaRPr lang="en-US" dirty="0"/>
+          </a:p>
+        </p:txBody>
+      </p:sp>
+      <p:sp>
+        <p:nvSpPr>
+          <p:cNvPr id="25" name="TextBox 24">
+            <a:extLst>
+              <a:ext uri="{FF2B5EF4-FFF2-40B4-BE49-F238E27FC236}">
+                <a16:creationId xmlns:a16="http://schemas.microsoft.com/office/drawing/2014/main" id="{2CA841EE-E443-4065-B2F0-00F9B8BCEDE7}"/>
+              </a:ext>
+            </a:extLst>
+          </p:cNvPr>
+          <p:cNvSpPr txBox="1"/>
+          <p:nvPr/>
+        </p:nvSpPr>
+        <p:spPr>
+          <a:xfrm>
+            <a:off x="3973697" y="2578329"/>
+            <a:ext cx="1352422" cy="584775"/>
+          </a:xfrm>
+          <a:prstGeom prst="rect">
+            <a:avLst/>
+          </a:prstGeom>
+          <a:noFill/>
+        </p:spPr>
+        <p:txBody>
+          <a:bodyPr wrap="none" rtlCol="0">
+            <a:spAutoFit/>
+          </a:bodyPr>
+          <a:lstStyle/>
+          <a:p>
+            <a:r>
+              <a:rPr lang="en-US" sz="1400" b="0" dirty="0">
+                <a:solidFill>
+                  <a:srgbClr val="00B0F0"/>
+                </a:solidFill>
+                <a:effectLst/>
+              </a:rPr>
+              <a:t>/</a:t>
+            </a:r>
+            <a:r>
+              <a:rPr lang="en-US" sz="1400" b="0" dirty="0" err="1">
+                <a:solidFill>
+                  <a:srgbClr val="00B0F0"/>
+                </a:solidFill>
+                <a:effectLst/>
+              </a:rPr>
+              <a:t>fastapi</a:t>
+            </a:r>
+            <a:r>
+              <a:rPr lang="en-US" sz="1400" b="0" dirty="0">
+                <a:solidFill>
+                  <a:srgbClr val="00B0F0"/>
+                </a:solidFill>
+                <a:effectLst/>
+              </a:rPr>
+              <a:t>-rest-</a:t>
+            </a:r>
+            <a:r>
+              <a:rPr lang="en-US" sz="1400" b="0" dirty="0" err="1">
+                <a:solidFill>
+                  <a:srgbClr val="00B0F0"/>
+                </a:solidFill>
+                <a:effectLst/>
+              </a:rPr>
+              <a:t>api</a:t>
+            </a:r>
+            <a:endParaRPr lang="en-US" sz="1400" b="0" dirty="0">
+              <a:solidFill>
+                <a:srgbClr val="00B0F0"/>
+              </a:solidFill>
+              <a:effectLst/>
+            </a:endParaRPr>
+          </a:p>
+          <a:p>
+            <a:endParaRPr lang="en-US" dirty="0"/>
+          </a:p>
+        </p:txBody>
+      </p:sp>
+      <p:sp>
+        <p:nvSpPr>
+          <p:cNvPr id="27" name="Freeform: Shape 26">
+            <a:extLst>
+              <a:ext uri="{FF2B5EF4-FFF2-40B4-BE49-F238E27FC236}">
+                <a16:creationId xmlns:a16="http://schemas.microsoft.com/office/drawing/2014/main" id="{B8D24875-E6A4-4C07-AAC2-BBC66833ECA6}"/>
+              </a:ext>
+            </a:extLst>
+          </p:cNvPr>
+          <p:cNvSpPr/>
+          <p:nvPr/>
+        </p:nvSpPr>
+        <p:spPr>
+          <a:xfrm>
+            <a:off x="5424311" y="3609044"/>
+            <a:ext cx="455433" cy="1725105"/>
+          </a:xfrm>
+          <a:custGeom>
+            <a:avLst/>
+            <a:gdLst>
+              <a:gd name="connsiteX0" fmla="*/ 0 w 455433"/>
+              <a:gd name="connsiteY0" fmla="*/ 1725105 h 1725105"/>
+              <a:gd name="connsiteX1" fmla="*/ 452487 w 455433"/>
+              <a:gd name="connsiteY1" fmla="*/ 1112363 h 1725105"/>
+              <a:gd name="connsiteX2" fmla="*/ 160256 w 455433"/>
+              <a:gd name="connsiteY2" fmla="*/ 0 h 1725105"/>
+            </a:gdLst>
+            <a:ahLst/>
+            <a:cxnLst>
+              <a:cxn ang="0">
+                <a:pos x="connsiteX0" y="connsiteY0"/>
+              </a:cxn>
+              <a:cxn ang="0">
+                <a:pos x="connsiteX1" y="connsiteY1"/>
+              </a:cxn>
+              <a:cxn ang="0">
+                <a:pos x="connsiteX2" y="connsiteY2"/>
+              </a:cxn>
+            </a:cxnLst>
+            <a:rect l="l" t="t" r="r" b="b"/>
+            <a:pathLst>
+              <a:path w="455433" h="1725105">
+                <a:moveTo>
+                  <a:pt x="0" y="1725105"/>
+                </a:moveTo>
+                <a:cubicBezTo>
+                  <a:pt x="212889" y="1562492"/>
+                  <a:pt x="425778" y="1399880"/>
+                  <a:pt x="452487" y="1112363"/>
+                </a:cubicBezTo>
+                <a:cubicBezTo>
+                  <a:pt x="479196" y="824846"/>
+                  <a:pt x="319726" y="412423"/>
+                  <a:pt x="160256" y="0"/>
+                </a:cubicBezTo>
+              </a:path>
+            </a:pathLst>
+          </a:custGeom>
+          <a:noFill/>
+          <a:ln w="25400">
+            <a:solidFill>
+              <a:srgbClr val="00B0F0"/>
+            </a:solidFill>
+            <a:tailEnd type="triangle"/>
+          </a:ln>
+        </p:spPr>
+        <p:style>
+          <a:lnRef idx="2">
+            <a:schemeClr val="accent1">
+              <a:shade val="50000"/>
+            </a:schemeClr>
+          </a:lnRef>
+          <a:fillRef idx="1">
+            <a:schemeClr val="accent1"/>
+          </a:fillRef>
+          <a:effectRef idx="0">
+            <a:schemeClr val="accent1"/>
+          </a:effectRef>
+          <a:fontRef idx="minor">
+            <a:schemeClr val="lt1"/>
+          </a:fontRef>
+        </p:style>
+        <p:txBody>
+          <a:bodyPr rtlCol="0" anchor="ctr"/>
+          <a:lstStyle/>
+          <a:p>
+            <a:pPr algn="ctr"/>
+            <a:endParaRPr lang="en-US"/>
+          </a:p>
+        </p:txBody>
+      </p:sp>
+      <p:sp>
+        <p:nvSpPr>
+          <p:cNvPr id="29" name="TextBox 28">
+            <a:extLst>
+              <a:ext uri="{FF2B5EF4-FFF2-40B4-BE49-F238E27FC236}">
+                <a16:creationId xmlns:a16="http://schemas.microsoft.com/office/drawing/2014/main" id="{63248832-4792-4EB7-92D6-C14DDF3BA6A2}"/>
+              </a:ext>
+            </a:extLst>
+          </p:cNvPr>
+          <p:cNvSpPr txBox="1"/>
+          <p:nvPr/>
+        </p:nvSpPr>
+        <p:spPr>
+          <a:xfrm>
+            <a:off x="6094702" y="2036578"/>
+            <a:ext cx="739305" cy="523220"/>
+          </a:xfrm>
+          <a:prstGeom prst="rect">
+            <a:avLst/>
+          </a:prstGeom>
+          <a:noFill/>
+        </p:spPr>
+        <p:txBody>
+          <a:bodyPr wrap="none" rtlCol="0">
+            <a:spAutoFit/>
+          </a:bodyPr>
+          <a:lstStyle/>
+          <a:p>
+            <a:r>
+              <a:rPr lang="en-US" sz="1000" b="1" dirty="0">
+                <a:solidFill>
+                  <a:srgbClr val="00B0F0"/>
+                </a:solidFill>
+                <a:effectLst/>
+              </a:rPr>
+              <a:t>Port: 5000</a:t>
+            </a:r>
+          </a:p>
+          <a:p>
+            <a:endParaRPr lang="en-US" dirty="0"/>
+          </a:p>
+        </p:txBody>
+      </p:sp>
+      <p:sp>
+        <p:nvSpPr>
+          <p:cNvPr id="31" name="TextBox 30">
+            <a:extLst>
+              <a:ext uri="{FF2B5EF4-FFF2-40B4-BE49-F238E27FC236}">
+                <a16:creationId xmlns:a16="http://schemas.microsoft.com/office/drawing/2014/main" id="{1B3D96DA-371C-49FF-AB68-AF0ED41E3955}"/>
+              </a:ext>
+            </a:extLst>
+          </p:cNvPr>
+          <p:cNvSpPr txBox="1"/>
+          <p:nvPr/>
+        </p:nvSpPr>
+        <p:spPr>
+          <a:xfrm>
+            <a:off x="4426586" y="2023095"/>
+            <a:ext cx="739305" cy="523220"/>
+          </a:xfrm>
+          <a:prstGeom prst="rect">
+            <a:avLst/>
+          </a:prstGeom>
+          <a:noFill/>
+        </p:spPr>
+        <p:txBody>
+          <a:bodyPr wrap="none" rtlCol="0">
+            <a:spAutoFit/>
+          </a:bodyPr>
+          <a:lstStyle/>
+          <a:p>
+            <a:r>
+              <a:rPr lang="en-US" sz="1000" b="1" dirty="0">
+                <a:solidFill>
+                  <a:srgbClr val="00B0F0"/>
+                </a:solidFill>
+                <a:effectLst/>
+              </a:rPr>
+              <a:t>Port: 5000</a:t>
+            </a:r>
+          </a:p>
+          <a:p>
+            <a:endParaRPr lang="en-US" dirty="0"/>
+          </a:p>
+        </p:txBody>
+      </p:sp>
+      <p:sp>
+        <p:nvSpPr>
+          <p:cNvPr id="33" name="TextBox 32">
+            <a:extLst>
+              <a:ext uri="{FF2B5EF4-FFF2-40B4-BE49-F238E27FC236}">
+                <a16:creationId xmlns:a16="http://schemas.microsoft.com/office/drawing/2014/main" id="{CACB80CF-0F9D-4362-A921-CF5E46EF23CA}"/>
+              </a:ext>
+            </a:extLst>
+          </p:cNvPr>
+          <p:cNvSpPr txBox="1"/>
+          <p:nvPr/>
+        </p:nvSpPr>
+        <p:spPr>
+          <a:xfrm>
+            <a:off x="4640437" y="3558145"/>
+            <a:ext cx="867545" cy="523220"/>
+          </a:xfrm>
+          <a:prstGeom prst="rect">
+            <a:avLst/>
+          </a:prstGeom>
+          <a:noFill/>
+        </p:spPr>
+        <p:txBody>
+          <a:bodyPr wrap="none" rtlCol="0">
+            <a:spAutoFit/>
+          </a:bodyPr>
+          <a:lstStyle/>
+          <a:p>
+            <a:r>
+              <a:rPr lang="en-US" sz="1000" b="1" dirty="0">
+                <a:solidFill>
+                  <a:srgbClr val="00B0F0"/>
+                </a:solidFill>
+                <a:effectLst/>
+              </a:rPr>
+              <a:t>Port: 80, 443</a:t>
+            </a:r>
+          </a:p>
+          <a:p>
+            <a:endParaRPr lang="en-US" dirty="0"/>
+          </a:p>
+        </p:txBody>
+      </p:sp>
+    </p:spTree>
+    <p:extLst>
+      <p:ext uri="{BB962C8B-B14F-4D97-AF65-F5344CB8AC3E}">
+        <p14:creationId xmlns:p14="http://schemas.microsoft.com/office/powerpoint/2010/main" val="1093228857"/>
       </p:ext>
     </p:extLst>
   </p:cSld>
